--- a/doc/Présentation projet météo.pptx
+++ b/doc/Présentation projet météo.pptx
@@ -7,16 +7,18 @@
   <p:sldIdLst>
     <p:sldId id="257" r:id="rId2"/>
     <p:sldId id="262" r:id="rId3"/>
-    <p:sldId id="258" r:id="rId4"/>
-    <p:sldId id="261" r:id="rId5"/>
-    <p:sldId id="263" r:id="rId6"/>
-    <p:sldId id="268" r:id="rId7"/>
-    <p:sldId id="259" r:id="rId8"/>
-    <p:sldId id="260" r:id="rId9"/>
-    <p:sldId id="264" r:id="rId10"/>
-    <p:sldId id="265" r:id="rId11"/>
-    <p:sldId id="266" r:id="rId12"/>
-    <p:sldId id="267" r:id="rId13"/>
+    <p:sldId id="269" r:id="rId4"/>
+    <p:sldId id="258" r:id="rId5"/>
+    <p:sldId id="261" r:id="rId6"/>
+    <p:sldId id="263" r:id="rId7"/>
+    <p:sldId id="268" r:id="rId8"/>
+    <p:sldId id="259" r:id="rId9"/>
+    <p:sldId id="260" r:id="rId10"/>
+    <p:sldId id="264" r:id="rId11"/>
+    <p:sldId id="265" r:id="rId12"/>
+    <p:sldId id="266" r:id="rId13"/>
+    <p:sldId id="267" r:id="rId14"/>
+    <p:sldId id="270" r:id="rId15"/>
   </p:sldIdLst>
   <p:sldSz cx="12192000" cy="6858000"/>
   <p:notesSz cx="6858000" cy="9144000"/>
@@ -115,6 +117,11 @@
       </a:defRPr>
     </a:lvl9pPr>
   </p:defaultTextStyle>
+  <p:extLst>
+    <p:ext uri="{EFAFB233-063F-42B5-8137-9DF3F51BA10A}">
+      <p15:sldGuideLst xmlns:p15="http://schemas.microsoft.com/office/powerpoint/2012/main"/>
+    </p:ext>
+  </p:extLst>
 </p:presentation>
 </file>
 
@@ -4394,7 +4401,7 @@
           <a:p>
             <a:fld id="{48A87A34-81AB-432B-8DAE-1953F412C126}" type="datetimeFigureOut">
               <a:rPr lang="en-US" dirty="0"/>
-              <a:t>4/17/2019</a:t>
+              <a:t>4/19/2019</a:t>
             </a:fld>
             <a:endParaRPr lang="en-US" dirty="0"/>
           </a:p>
@@ -4656,7 +4663,7 @@
           <a:p>
             <a:fld id="{48A87A34-81AB-432B-8DAE-1953F412C126}" type="datetimeFigureOut">
               <a:rPr lang="en-US" dirty="0"/>
-              <a:t>4/17/2019</a:t>
+              <a:t>4/19/2019</a:t>
             </a:fld>
             <a:endParaRPr lang="en-US" dirty="0"/>
           </a:p>
@@ -4847,7 +4854,7 @@
           <a:p>
             <a:fld id="{48A87A34-81AB-432B-8DAE-1953F412C126}" type="datetimeFigureOut">
               <a:rPr lang="en-US" dirty="0"/>
-              <a:t>4/17/2019</a:t>
+              <a:t>4/19/2019</a:t>
             </a:fld>
             <a:endParaRPr lang="en-US" dirty="0"/>
           </a:p>
@@ -5105,7 +5112,7 @@
           <a:p>
             <a:fld id="{48A87A34-81AB-432B-8DAE-1953F412C126}" type="datetimeFigureOut">
               <a:rPr lang="en-US" dirty="0"/>
-              <a:t>4/17/2019</a:t>
+              <a:t>4/19/2019</a:t>
             </a:fld>
             <a:endParaRPr lang="en-US" dirty="0"/>
           </a:p>
@@ -5534,7 +5541,7 @@
           <a:p>
             <a:fld id="{48A87A34-81AB-432B-8DAE-1953F412C126}" type="datetimeFigureOut">
               <a:rPr lang="en-US" dirty="0"/>
-              <a:t>4/17/2019</a:t>
+              <a:t>4/19/2019</a:t>
             </a:fld>
             <a:endParaRPr lang="en-US" dirty="0"/>
           </a:p>
@@ -6075,7 +6082,7 @@
           <a:p>
             <a:fld id="{48A87A34-81AB-432B-8DAE-1953F412C126}" type="datetimeFigureOut">
               <a:rPr lang="en-US" dirty="0"/>
-              <a:t>4/17/2019</a:t>
+              <a:t>4/19/2019</a:t>
             </a:fld>
             <a:endParaRPr lang="en-US" dirty="0"/>
           </a:p>
@@ -6790,7 +6797,7 @@
           <a:p>
             <a:fld id="{48A87A34-81AB-432B-8DAE-1953F412C126}" type="datetimeFigureOut">
               <a:rPr lang="en-US" dirty="0"/>
-              <a:t>4/17/2019</a:t>
+              <a:t>4/19/2019</a:t>
             </a:fld>
             <a:endParaRPr lang="en-US" dirty="0"/>
           </a:p>
@@ -6955,7 +6962,7 @@
           <a:p>
             <a:fld id="{48A87A34-81AB-432B-8DAE-1953F412C126}" type="datetimeFigureOut">
               <a:rPr lang="en-US" dirty="0"/>
-              <a:t>4/17/2019</a:t>
+              <a:t>4/19/2019</a:t>
             </a:fld>
             <a:endParaRPr lang="en-US" dirty="0"/>
           </a:p>
@@ -7130,7 +7137,7 @@
           <a:p>
             <a:fld id="{48A87A34-81AB-432B-8DAE-1953F412C126}" type="datetimeFigureOut">
               <a:rPr lang="en-US" dirty="0"/>
-              <a:t>4/17/2019</a:t>
+              <a:t>4/19/2019</a:t>
             </a:fld>
             <a:endParaRPr lang="en-US" dirty="0"/>
           </a:p>
@@ -7295,7 +7302,7 @@
           <a:p>
             <a:fld id="{48A87A34-81AB-432B-8DAE-1953F412C126}" type="datetimeFigureOut">
               <a:rPr lang="en-US" dirty="0"/>
-              <a:t>4/17/2019</a:t>
+              <a:t>4/19/2019</a:t>
             </a:fld>
             <a:endParaRPr lang="en-US" dirty="0"/>
           </a:p>
@@ -7540,7 +7547,7 @@
           <a:p>
             <a:fld id="{48A87A34-81AB-432B-8DAE-1953F412C126}" type="datetimeFigureOut">
               <a:rPr lang="en-US" dirty="0"/>
-              <a:t>4/17/2019</a:t>
+              <a:t>4/19/2019</a:t>
             </a:fld>
             <a:endParaRPr lang="en-US" dirty="0"/>
           </a:p>
@@ -7767,7 +7774,7 @@
           <a:p>
             <a:fld id="{48A87A34-81AB-432B-8DAE-1953F412C126}" type="datetimeFigureOut">
               <a:rPr lang="en-US" dirty="0"/>
-              <a:t>4/17/2019</a:t>
+              <a:t>4/19/2019</a:t>
             </a:fld>
             <a:endParaRPr lang="en-US" dirty="0"/>
           </a:p>
@@ -8143,7 +8150,7 @@
           <a:p>
             <a:fld id="{48A87A34-81AB-432B-8DAE-1953F412C126}" type="datetimeFigureOut">
               <a:rPr lang="en-US" dirty="0"/>
-              <a:t>4/17/2019</a:t>
+              <a:t>4/19/2019</a:t>
             </a:fld>
             <a:endParaRPr lang="en-US" dirty="0"/>
           </a:p>
@@ -8256,7 +8263,7 @@
           <a:p>
             <a:fld id="{48A87A34-81AB-432B-8DAE-1953F412C126}" type="datetimeFigureOut">
               <a:rPr lang="en-US" dirty="0"/>
-              <a:t>4/17/2019</a:t>
+              <a:t>4/19/2019</a:t>
             </a:fld>
             <a:endParaRPr lang="en-US" dirty="0"/>
           </a:p>
@@ -8346,7 +8353,7 @@
           <a:p>
             <a:fld id="{48A87A34-81AB-432B-8DAE-1953F412C126}" type="datetimeFigureOut">
               <a:rPr lang="en-US" dirty="0"/>
-              <a:t>4/17/2019</a:t>
+              <a:t>4/19/2019</a:t>
             </a:fld>
             <a:endParaRPr lang="en-US" dirty="0"/>
           </a:p>
@@ -8590,7 +8597,7 @@
           <a:p>
             <a:fld id="{48A87A34-81AB-432B-8DAE-1953F412C126}" type="datetimeFigureOut">
               <a:rPr lang="en-US" dirty="0"/>
-              <a:t>4/17/2019</a:t>
+              <a:t>4/19/2019</a:t>
             </a:fld>
             <a:endParaRPr lang="en-US" dirty="0"/>
           </a:p>
@@ -8865,7 +8872,7 @@
           <a:p>
             <a:fld id="{48A87A34-81AB-432B-8DAE-1953F412C126}" type="datetimeFigureOut">
               <a:rPr lang="en-US" dirty="0"/>
-              <a:t>4/17/2019</a:t>
+              <a:t>4/19/2019</a:t>
             </a:fld>
             <a:endParaRPr lang="en-US" dirty="0"/>
           </a:p>
@@ -11938,7 +11945,7 @@
             <a:fld id="{48A87A34-81AB-432B-8DAE-1953F412C126}" type="datetimeFigureOut">
               <a:rPr lang="en-US" dirty="0"/>
               <a:pPr/>
-              <a:t>4/17/2019</a:t>
+              <a:t>4/19/2019</a:t>
             </a:fld>
             <a:endParaRPr lang="en-US" dirty="0"/>
           </a:p>
@@ -12340,6 +12347,30 @@
 <file path=ppt/slides/slide1.xml><?xml version="1.0" encoding="utf-8"?>
 <p:sld xmlns:a="http://schemas.openxmlformats.org/drawingml/2006/main" xmlns:r="http://schemas.openxmlformats.org/officeDocument/2006/relationships" xmlns:p="http://schemas.openxmlformats.org/presentationml/2006/main">
   <p:cSld>
+    <p:bg>
+      <p:bgPr>
+        <a:blipFill>
+          <a:blip r:embed="rId2">
+            <a:duotone>
+              <a:schemeClr val="bg2">
+                <a:shade val="88000"/>
+                <a:hueMod val="106000"/>
+                <a:satMod val="140000"/>
+                <a:lumMod val="54000"/>
+              </a:schemeClr>
+              <a:schemeClr val="bg2">
+                <a:tint val="98000"/>
+                <a:hueMod val="90000"/>
+                <a:satMod val="150000"/>
+                <a:lumMod val="160000"/>
+              </a:schemeClr>
+            </a:duotone>
+          </a:blip>
+          <a:stretch/>
+        </a:blipFill>
+        <a:effectLst/>
+      </p:bgPr>
+    </p:bg>
     <p:spTree>
       <p:nvGrpSpPr>
         <p:cNvPr id="1" name=""/>
@@ -12356,12 +12387,65 @@
       </p:grpSpPr>
       <p:pic>
         <p:nvPicPr>
+          <p:cNvPr id="4" name="Image 3"/>
+          <p:cNvPicPr>
+            <a:picLocks noChangeAspect="1"/>
+          </p:cNvPicPr>
+          <p:nvPr/>
+        </p:nvPicPr>
+        <p:blipFill>
+          <a:blip r:embed="rId3">
+            <a:extLst>
+              <a:ext uri="{BEBA8EAE-BF5A-486C-A8C5-ECC9F3942E4B}">
+                <a14:imgProps xmlns:a14="http://schemas.microsoft.com/office/drawing/2010/main">
+                  <a14:imgLayer r:embed="rId4">
+                    <a14:imgEffect>
+                      <a14:artisticCrisscrossEtching/>
+                    </a14:imgEffect>
+                  </a14:imgLayer>
+                </a14:imgProps>
+              </a:ext>
+            </a:extLst>
+          </a:blip>
+          <a:stretch>
+            <a:fillRect/>
+          </a:stretch>
+        </p:blipFill>
+        <p:spPr>
+          <a:xfrm>
+            <a:off x="2611583" y="1082981"/>
+            <a:ext cx="6916882" cy="3904257"/>
+          </a:xfrm>
+          <a:prstGeom prst="ellipse">
+            <a:avLst/>
+          </a:prstGeom>
+          <a:ln>
+            <a:noFill/>
+          </a:ln>
+          <a:effectLst>
+            <a:glow rad="127000">
+              <a:schemeClr val="accent1">
+                <a:alpha val="0"/>
+              </a:schemeClr>
+            </a:glow>
+            <a:outerShdw blurRad="1270000" dist="50800" dir="5400000" algn="ctr" rotWithShape="0">
+              <a:srgbClr val="000000">
+                <a:alpha val="0"/>
+              </a:srgbClr>
+            </a:outerShdw>
+            <a:reflection endPos="65000" dist="50800" dir="5400000" sy="-100000" algn="bl" rotWithShape="0"/>
+            <a:softEdge rad="635000"/>
+          </a:effectLst>
+        </p:spPr>
+      </p:pic>
+      <p:pic>
+        <p:nvPicPr>
           <p:cNvPr id="6" name="Image 5" descr="C:\Users\Alex\Documents\Recherche offres d'emploi\AUSY POEI Tlse - AJC Formation\Projet météo\logo AJC.png"/>
           <p:cNvPicPr/>
           <p:nvPr/>
         </p:nvPicPr>
         <p:blipFill>
-          <a:blip r:embed="rId2" cstate="print">
+          <a:blip r:embed="rId5" cstate="print">
             <a:extLst>
               <a:ext uri="{28A0092B-C50C-407E-A947-70E740481C1C}">
                 <a14:useLocalDpi xmlns:a14="http://schemas.microsoft.com/office/drawing/2010/main" val="0"/>
@@ -12397,7 +12481,7 @@
         </p:nvSpPr>
         <p:spPr>
           <a:xfrm>
-            <a:off x="1750694" y="2013903"/>
+            <a:off x="1643062" y="1841309"/>
             <a:ext cx="8791575" cy="2387600"/>
           </a:xfrm>
           <a:prstGeom prst="rect">
@@ -12430,13 +12514,45 @@
           <a:p>
             <a:pPr algn="ctr"/>
             <a:r>
-              <a:rPr lang="fr-FR" sz="4400" b="1" smtClean="0">
+              <a:rPr lang="fr-FR" sz="4400" b="1" cap="none" dirty="0" smtClean="0">
+                <a:ln w="10160">
+                  <a:solidFill>
+                    <a:schemeClr val="accent5"/>
+                  </a:solidFill>
+                  <a:prstDash val="solid"/>
+                </a:ln>
+                <a:solidFill>
+                  <a:srgbClr val="FFFFFF"/>
+                </a:solidFill>
+                <a:effectLst>
+                  <a:outerShdw blurRad="38100" dist="22860" dir="5400000" algn="tl" rotWithShape="0">
+                    <a:srgbClr val="000000">
+                      <a:alpha val="30000"/>
+                    </a:srgbClr>
+                  </a:outerShdw>
+                </a:effectLst>
                 <a:latin typeface="Calibri" panose="020F0502020204030204" pitchFamily="34" charset="0"/>
                 <a:cs typeface="Calibri" panose="020F0502020204030204" pitchFamily="34" charset="0"/>
               </a:rPr>
               <a:t>PROJET STATION METEO</a:t>
             </a:r>
-            <a:endParaRPr lang="fr-FR" sz="4400" b="1" dirty="0">
+            <a:endParaRPr lang="fr-FR" sz="4400" b="1" cap="none" dirty="0">
+              <a:ln w="10160">
+                <a:solidFill>
+                  <a:schemeClr val="accent5"/>
+                </a:solidFill>
+                <a:prstDash val="solid"/>
+              </a:ln>
+              <a:solidFill>
+                <a:srgbClr val="FFFFFF"/>
+              </a:solidFill>
+              <a:effectLst>
+                <a:outerShdw blurRad="38100" dist="22860" dir="5400000" algn="tl" rotWithShape="0">
+                  <a:srgbClr val="000000">
+                    <a:alpha val="30000"/>
+                  </a:srgbClr>
+                </a:outerShdw>
+              </a:effectLst>
               <a:latin typeface="Calibri" panose="020F0502020204030204" pitchFamily="34" charset="0"/>
               <a:cs typeface="Calibri" panose="020F0502020204030204" pitchFamily="34" charset="0"/>
             </a:endParaRPr>
@@ -12453,10 +12569,225 @@
   <p:clrMapOvr>
     <a:masterClrMapping/>
   </p:clrMapOvr>
+  <p:timing>
+    <p:tnLst>
+      <p:par>
+        <p:cTn id="1" dur="indefinite" restart="never" nodeType="tmRoot"/>
+      </p:par>
+    </p:tnLst>
+  </p:timing>
 </p:sld>
 </file>
 
 <file path=ppt/slides/slide10.xml><?xml version="1.0" encoding="utf-8"?>
+<p:sld xmlns:a="http://schemas.openxmlformats.org/drawingml/2006/main" xmlns:r="http://schemas.openxmlformats.org/officeDocument/2006/relationships" xmlns:p="http://schemas.openxmlformats.org/presentationml/2006/main">
+  <p:cSld>
+    <p:spTree>
+      <p:nvGrpSpPr>
+        <p:cNvPr id="1" name=""/>
+        <p:cNvGrpSpPr/>
+        <p:nvPr/>
+      </p:nvGrpSpPr>
+      <p:grpSpPr>
+        <a:xfrm>
+          <a:off x="0" y="0"/>
+          <a:ext cx="0" cy="0"/>
+          <a:chOff x="0" y="0"/>
+          <a:chExt cx="0" cy="0"/>
+        </a:xfrm>
+      </p:grpSpPr>
+      <p:pic>
+        <p:nvPicPr>
+          <p:cNvPr id="3" name="Image 2" descr="C:\Users\Alex\Documents\Recherche offres d'emploi\AUSY POEI Tlse - AJC Formation\Projet météo\logo AJC.png"/>
+          <p:cNvPicPr/>
+          <p:nvPr/>
+        </p:nvPicPr>
+        <p:blipFill>
+          <a:blip r:embed="rId2" cstate="print">
+            <a:extLst>
+              <a:ext uri="{28A0092B-C50C-407E-A947-70E740481C1C}">
+                <a14:useLocalDpi xmlns:a14="http://schemas.microsoft.com/office/drawing/2010/main" val="0"/>
+              </a:ext>
+            </a:extLst>
+          </a:blip>
+          <a:srcRect/>
+          <a:stretch>
+            <a:fillRect/>
+          </a:stretch>
+        </p:blipFill>
+        <p:spPr bwMode="auto">
+          <a:xfrm>
+            <a:off x="10199978" y="5962651"/>
+            <a:ext cx="1167679" cy="749877"/>
+          </a:xfrm>
+          <a:prstGeom prst="rect">
+            <a:avLst/>
+          </a:prstGeom>
+          <a:noFill/>
+          <a:ln>
+            <a:noFill/>
+          </a:ln>
+        </p:spPr>
+      </p:pic>
+      <p:sp>
+        <p:nvSpPr>
+          <p:cNvPr id="4" name="ZoneTexte 3"/>
+          <p:cNvSpPr txBox="1"/>
+          <p:nvPr/>
+        </p:nvSpPr>
+        <p:spPr>
+          <a:xfrm>
+            <a:off x="2204283" y="573963"/>
+            <a:ext cx="7460452" cy="461665"/>
+          </a:xfrm>
+          <a:prstGeom prst="rect">
+            <a:avLst/>
+          </a:prstGeom>
+          <a:noFill/>
+        </p:spPr>
+        <p:txBody>
+          <a:bodyPr wrap="square" rtlCol="0">
+            <a:spAutoFit/>
+          </a:bodyPr>
+          <a:lstStyle/>
+          <a:p>
+            <a:pPr algn="ctr"/>
+            <a:r>
+              <a:rPr lang="fr-FR" sz="2400" b="1" u="sng" dirty="0" smtClean="0">
+                <a:latin typeface="Calibri" panose="020F0502020204030204" pitchFamily="34" charset="0"/>
+                <a:cs typeface="Calibri" panose="020F0502020204030204" pitchFamily="34" charset="0"/>
+              </a:rPr>
+              <a:t>MOYENS TECHNIQUES MIS EN ŒUVRE</a:t>
+            </a:r>
+            <a:r>
+              <a:rPr lang="fr-FR" sz="2400" b="1" dirty="0" smtClean="0">
+                <a:latin typeface="Calibri" panose="020F0502020204030204" pitchFamily="34" charset="0"/>
+                <a:cs typeface="Calibri" panose="020F0502020204030204" pitchFamily="34" charset="0"/>
+              </a:rPr>
+              <a:t> : Capteur BME280</a:t>
+            </a:r>
+            <a:endParaRPr lang="fr-FR" sz="2400" b="1" u="sng" dirty="0" smtClean="0">
+              <a:latin typeface="Calibri" panose="020F0502020204030204" pitchFamily="34" charset="0"/>
+              <a:cs typeface="Calibri" panose="020F0502020204030204" pitchFamily="34" charset="0"/>
+            </a:endParaRPr>
+          </a:p>
+        </p:txBody>
+      </p:sp>
+      <p:sp>
+        <p:nvSpPr>
+          <p:cNvPr id="2" name="ZoneTexte 1"/>
+          <p:cNvSpPr txBox="1"/>
+          <p:nvPr/>
+        </p:nvSpPr>
+        <p:spPr>
+          <a:xfrm>
+            <a:off x="1669041" y="1569660"/>
+            <a:ext cx="8530937" cy="830997"/>
+          </a:xfrm>
+          <a:prstGeom prst="rect">
+            <a:avLst/>
+          </a:prstGeom>
+          <a:noFill/>
+        </p:spPr>
+        <p:txBody>
+          <a:bodyPr wrap="square" rtlCol="0">
+            <a:spAutoFit/>
+          </a:bodyPr>
+          <a:lstStyle/>
+          <a:p>
+            <a:pPr algn="just"/>
+            <a:r>
+              <a:rPr lang="fr-FR" sz="2400" dirty="0">
+                <a:latin typeface="Calibri" panose="020F0502020204030204" pitchFamily="34" charset="0"/>
+                <a:cs typeface="Calibri" panose="020F0502020204030204" pitchFamily="34" charset="0"/>
+              </a:rPr>
+              <a:t>Le </a:t>
+            </a:r>
+            <a:r>
+              <a:rPr lang="fr-FR" sz="2400" dirty="0" smtClean="0">
+                <a:latin typeface="Calibri" panose="020F0502020204030204" pitchFamily="34" charset="0"/>
+                <a:cs typeface="Calibri" panose="020F0502020204030204" pitchFamily="34" charset="0"/>
+              </a:rPr>
+              <a:t>capteur BME280 </a:t>
+            </a:r>
+            <a:r>
+              <a:rPr lang="fr-FR" sz="2400" dirty="0">
+                <a:latin typeface="Calibri" panose="020F0502020204030204" pitchFamily="34" charset="0"/>
+                <a:cs typeface="Calibri" panose="020F0502020204030204" pitchFamily="34" charset="0"/>
+              </a:rPr>
+              <a:t>permet de mesurer une température, une pression barométrique et le pourcentage d'humidité</a:t>
+            </a:r>
+            <a:r>
+              <a:rPr lang="fr-FR" sz="2400" dirty="0" smtClean="0">
+                <a:latin typeface="Calibri" panose="020F0502020204030204" pitchFamily="34" charset="0"/>
+                <a:cs typeface="Calibri" panose="020F0502020204030204" pitchFamily="34" charset="0"/>
+              </a:rPr>
+              <a:t>.</a:t>
+            </a:r>
+            <a:endParaRPr lang="fr-FR" sz="2400" dirty="0">
+              <a:latin typeface="Calibri" panose="020F0502020204030204" pitchFamily="34" charset="0"/>
+              <a:cs typeface="Calibri" panose="020F0502020204030204" pitchFamily="34" charset="0"/>
+            </a:endParaRPr>
+          </a:p>
+        </p:txBody>
+      </p:sp>
+      <p:pic>
+        <p:nvPicPr>
+          <p:cNvPr id="5" name="Image 4">
+            <a:extLst>
+              <a:ext uri="{FF2B5EF4-FFF2-40B4-BE49-F238E27FC236}">
+                <a16:creationId xmlns:a16="http://schemas.microsoft.com/office/drawing/2014/main" id="{00000000-0000-0000-0000-000000000000}"/>
+              </a:ext>
+            </a:extLst>
+          </p:cNvPr>
+          <p:cNvPicPr>
+            <a:picLocks noChangeAspect="1"/>
+          </p:cNvPicPr>
+          <p:nvPr/>
+        </p:nvPicPr>
+        <p:blipFill rotWithShape="1">
+          <a:blip r:embed="rId3">
+            <a:lum/>
+            <a:alphaModFix/>
+          </a:blip>
+          <a:srcRect l="22746" t="12950" r="24764" b="13375"/>
+          <a:stretch/>
+        </p:blipFill>
+        <p:spPr>
+          <a:xfrm rot="4800">
+            <a:off x="4468377" y="2639770"/>
+            <a:ext cx="2932264" cy="3135135"/>
+          </a:xfrm>
+          <a:prstGeom prst="rect">
+            <a:avLst/>
+          </a:prstGeom>
+          <a:noFill/>
+          <a:ln>
+            <a:noFill/>
+          </a:ln>
+        </p:spPr>
+      </p:pic>
+    </p:spTree>
+    <p:extLst>
+      <p:ext uri="{BB962C8B-B14F-4D97-AF65-F5344CB8AC3E}">
+        <p14:creationId xmlns:p14="http://schemas.microsoft.com/office/powerpoint/2010/main" val="797811872"/>
+      </p:ext>
+    </p:extLst>
+  </p:cSld>
+  <p:clrMapOvr>
+    <a:masterClrMapping/>
+  </p:clrMapOvr>
+  <p:timing>
+    <p:tnLst>
+      <p:par>
+        <p:cTn id="1" dur="indefinite" restart="never" nodeType="tmRoot"/>
+      </p:par>
+    </p:tnLst>
+  </p:timing>
+</p:sld>
+</file>
+
+<file path=ppt/slides/slide11.xml><?xml version="1.0" encoding="utf-8"?>
 <p:sld xmlns:a="http://schemas.openxmlformats.org/drawingml/2006/main" xmlns:r="http://schemas.openxmlformats.org/officeDocument/2006/relationships" xmlns:p="http://schemas.openxmlformats.org/presentationml/2006/main">
   <p:cSld>
     <p:spTree>
@@ -12715,284 +13046,13 @@
   <p:clrMapOvr>
     <a:masterClrMapping/>
   </p:clrMapOvr>
-</p:sld>
-</file>
-
-<file path=ppt/slides/slide11.xml><?xml version="1.0" encoding="utf-8"?>
-<p:sld xmlns:a="http://schemas.openxmlformats.org/drawingml/2006/main" xmlns:r="http://schemas.openxmlformats.org/officeDocument/2006/relationships" xmlns:p="http://schemas.openxmlformats.org/presentationml/2006/main">
-  <p:cSld>
-    <p:spTree>
-      <p:nvGrpSpPr>
-        <p:cNvPr id="1" name=""/>
-        <p:cNvGrpSpPr/>
-        <p:nvPr/>
-      </p:nvGrpSpPr>
-      <p:grpSpPr>
-        <a:xfrm>
-          <a:off x="0" y="0"/>
-          <a:ext cx="0" cy="0"/>
-          <a:chOff x="0" y="0"/>
-          <a:chExt cx="0" cy="0"/>
-        </a:xfrm>
-      </p:grpSpPr>
-      <p:pic>
-        <p:nvPicPr>
-          <p:cNvPr id="3" name="Image 2" descr="C:\Users\Alex\Documents\Recherche offres d'emploi\AUSY POEI Tlse - AJC Formation\Projet météo\logo AJC.png"/>
-          <p:cNvPicPr/>
-          <p:nvPr/>
-        </p:nvPicPr>
-        <p:blipFill>
-          <a:blip r:embed="rId2" cstate="print">
-            <a:extLst>
-              <a:ext uri="{28A0092B-C50C-407E-A947-70E740481C1C}">
-                <a14:useLocalDpi xmlns:a14="http://schemas.microsoft.com/office/drawing/2010/main" val="0"/>
-              </a:ext>
-            </a:extLst>
-          </a:blip>
-          <a:srcRect/>
-          <a:stretch>
-            <a:fillRect/>
-          </a:stretch>
-        </p:blipFill>
-        <p:spPr bwMode="auto">
-          <a:xfrm>
-            <a:off x="10199978" y="5962651"/>
-            <a:ext cx="1167679" cy="749877"/>
-          </a:xfrm>
-          <a:prstGeom prst="rect">
-            <a:avLst/>
-          </a:prstGeom>
-          <a:noFill/>
-          <a:ln>
-            <a:noFill/>
-          </a:ln>
-        </p:spPr>
-      </p:pic>
-      <p:sp>
-        <p:nvSpPr>
-          <p:cNvPr id="4" name="ZoneTexte 3"/>
-          <p:cNvSpPr txBox="1"/>
-          <p:nvPr/>
-        </p:nvSpPr>
-        <p:spPr>
-          <a:xfrm>
-            <a:off x="1506903" y="496747"/>
-            <a:ext cx="8649392" cy="461665"/>
-          </a:xfrm>
-          <a:prstGeom prst="rect">
-            <a:avLst/>
-          </a:prstGeom>
-          <a:noFill/>
-        </p:spPr>
-        <p:txBody>
-          <a:bodyPr wrap="square" rtlCol="0">
-            <a:spAutoFit/>
-          </a:bodyPr>
-          <a:lstStyle/>
-          <a:p>
-            <a:pPr algn="ctr"/>
-            <a:r>
-              <a:rPr lang="fr-FR" sz="2400" b="1" u="sng" dirty="0" smtClean="0">
-                <a:latin typeface="Calibri" panose="020F0502020204030204" pitchFamily="34" charset="0"/>
-                <a:cs typeface="Calibri" panose="020F0502020204030204" pitchFamily="34" charset="0"/>
-              </a:rPr>
-              <a:t>MOYENS TECHNIQUES MIS EN ŒUVRE</a:t>
-            </a:r>
-            <a:r>
-              <a:rPr lang="fr-FR" sz="2400" b="1" dirty="0">
-                <a:latin typeface="Calibri" panose="020F0502020204030204" pitchFamily="34" charset="0"/>
-                <a:cs typeface="Calibri" panose="020F0502020204030204" pitchFamily="34" charset="0"/>
-              </a:rPr>
-              <a:t> : Algorithme de </a:t>
-            </a:r>
-            <a:r>
-              <a:rPr lang="fr-FR" sz="2400" b="1" dirty="0" err="1">
-                <a:latin typeface="Calibri" panose="020F0502020204030204" pitchFamily="34" charset="0"/>
-                <a:cs typeface="Calibri" panose="020F0502020204030204" pitchFamily="34" charset="0"/>
-              </a:rPr>
-              <a:t>Zambretti</a:t>
-            </a:r>
-            <a:endParaRPr lang="fr-FR" sz="2400" b="1" u="sng" dirty="0">
-              <a:latin typeface="Calibri" panose="020F0502020204030204" pitchFamily="34" charset="0"/>
-              <a:cs typeface="Calibri" panose="020F0502020204030204" pitchFamily="34" charset="0"/>
-            </a:endParaRPr>
-          </a:p>
-        </p:txBody>
-      </p:sp>
-      <p:sp>
-        <p:nvSpPr>
-          <p:cNvPr id="2" name="Rectangle 1"/>
-          <p:cNvSpPr/>
-          <p:nvPr/>
-        </p:nvSpPr>
-        <p:spPr>
-          <a:xfrm>
-            <a:off x="2783599" y="1765546"/>
-            <a:ext cx="6096000" cy="2308324"/>
-          </a:xfrm>
-          <a:prstGeom prst="rect">
-            <a:avLst/>
-          </a:prstGeom>
-        </p:spPr>
-        <p:txBody>
-          <a:bodyPr>
-            <a:spAutoFit/>
-          </a:bodyPr>
-          <a:lstStyle/>
-          <a:p>
-            <a:r>
-              <a:rPr lang="fr-FR" sz="2400" dirty="0">
-                <a:latin typeface="Calibri" panose="020F0502020204030204" pitchFamily="34" charset="0"/>
-                <a:cs typeface="Calibri" panose="020F0502020204030204" pitchFamily="34" charset="0"/>
-              </a:rPr>
-              <a:t>Entrée: Mesure </a:t>
-            </a:r>
-            <a:r>
-              <a:rPr lang="fr-FR" sz="2400" dirty="0" smtClean="0">
-                <a:latin typeface="Calibri" panose="020F0502020204030204" pitchFamily="34" charset="0"/>
-                <a:cs typeface="Calibri" panose="020F0502020204030204" pitchFamily="34" charset="0"/>
-              </a:rPr>
-              <a:t>pression</a:t>
-            </a:r>
-          </a:p>
-          <a:p>
-            <a:r>
-              <a:rPr lang="fr-FR" sz="2400" dirty="0" smtClean="0">
-                <a:latin typeface="Calibri" panose="020F0502020204030204" pitchFamily="34" charset="0"/>
-                <a:cs typeface="Calibri" panose="020F0502020204030204" pitchFamily="34" charset="0"/>
-              </a:rPr>
-              <a:t>Sortie </a:t>
-            </a:r>
-            <a:r>
-              <a:rPr lang="fr-FR" sz="2400" dirty="0">
-                <a:latin typeface="Calibri" panose="020F0502020204030204" pitchFamily="34" charset="0"/>
-                <a:cs typeface="Calibri" panose="020F0502020204030204" pitchFamily="34" charset="0"/>
-              </a:rPr>
-              <a:t>: prévision </a:t>
-            </a:r>
-            <a:r>
-              <a:rPr lang="fr-FR" sz="2400" dirty="0" smtClean="0">
-                <a:latin typeface="Calibri" panose="020F0502020204030204" pitchFamily="34" charset="0"/>
-                <a:cs typeface="Calibri" panose="020F0502020204030204" pitchFamily="34" charset="0"/>
-              </a:rPr>
-              <a:t>atmosphérique</a:t>
-            </a:r>
-          </a:p>
-          <a:p>
-            <a:endParaRPr lang="fr-FR" sz="2400" dirty="0">
-              <a:latin typeface="Calibri" panose="020F0502020204030204" pitchFamily="34" charset="0"/>
-              <a:cs typeface="Calibri" panose="020F0502020204030204" pitchFamily="34" charset="0"/>
-            </a:endParaRPr>
-          </a:p>
-          <a:p>
-            <a:r>
-              <a:rPr lang="fr-FR" sz="2400" dirty="0" smtClean="0">
-                <a:latin typeface="Calibri" panose="020F0502020204030204" pitchFamily="34" charset="0"/>
-                <a:cs typeface="Calibri" panose="020F0502020204030204" pitchFamily="34" charset="0"/>
-              </a:rPr>
-              <a:t>	</a:t>
-            </a:r>
-            <a:r>
-              <a:rPr lang="fr-FR" sz="2400" dirty="0" err="1" smtClean="0">
-                <a:latin typeface="Calibri" panose="020F0502020204030204" pitchFamily="34" charset="0"/>
-                <a:cs typeface="Calibri" panose="020F0502020204030204" pitchFamily="34" charset="0"/>
-              </a:rPr>
-              <a:t>Calcul_tendances</a:t>
-            </a:r>
-            <a:r>
-              <a:rPr lang="fr-FR" sz="2400" dirty="0">
-                <a:latin typeface="Calibri" panose="020F0502020204030204" pitchFamily="34" charset="0"/>
-                <a:cs typeface="Calibri" panose="020F0502020204030204" pitchFamily="34" charset="0"/>
-              </a:rPr>
-              <a:t>()</a:t>
-            </a:r>
-          </a:p>
-          <a:p>
-            <a:r>
-              <a:rPr lang="fr-FR" sz="2400" dirty="0" smtClean="0">
-                <a:latin typeface="Calibri" panose="020F0502020204030204" pitchFamily="34" charset="0"/>
-                <a:cs typeface="Calibri" panose="020F0502020204030204" pitchFamily="34" charset="0"/>
-              </a:rPr>
-              <a:t>	</a:t>
-            </a:r>
-            <a:r>
-              <a:rPr lang="fr-FR" sz="2400" dirty="0" err="1" smtClean="0">
-                <a:latin typeface="Calibri" panose="020F0502020204030204" pitchFamily="34" charset="0"/>
-                <a:cs typeface="Calibri" panose="020F0502020204030204" pitchFamily="34" charset="0"/>
-              </a:rPr>
-              <a:t>numZambretti</a:t>
-            </a:r>
-            <a:r>
-              <a:rPr lang="fr-FR" sz="2400" dirty="0" smtClean="0">
-                <a:latin typeface="Calibri" panose="020F0502020204030204" pitchFamily="34" charset="0"/>
-                <a:cs typeface="Calibri" panose="020F0502020204030204" pitchFamily="34" charset="0"/>
-              </a:rPr>
-              <a:t>=</a:t>
-            </a:r>
-            <a:r>
-              <a:rPr lang="fr-FR" sz="2400" dirty="0" err="1" smtClean="0">
-                <a:latin typeface="Calibri" panose="020F0502020204030204" pitchFamily="34" charset="0"/>
-                <a:cs typeface="Calibri" panose="020F0502020204030204" pitchFamily="34" charset="0"/>
-              </a:rPr>
-              <a:t>Calcul_num_Zambretti</a:t>
-            </a:r>
-            <a:r>
-              <a:rPr lang="fr-FR" sz="2400" dirty="0">
-                <a:latin typeface="Calibri" panose="020F0502020204030204" pitchFamily="34" charset="0"/>
-                <a:cs typeface="Calibri" panose="020F0502020204030204" pitchFamily="34" charset="0"/>
-              </a:rPr>
-              <a:t>()</a:t>
-            </a:r>
-          </a:p>
-          <a:p>
-            <a:r>
-              <a:rPr lang="fr-FR" sz="2400" dirty="0" smtClean="0">
-                <a:latin typeface="Calibri" panose="020F0502020204030204" pitchFamily="34" charset="0"/>
-                <a:cs typeface="Calibri" panose="020F0502020204030204" pitchFamily="34" charset="0"/>
-              </a:rPr>
-              <a:t>	</a:t>
-            </a:r>
-            <a:r>
-              <a:rPr lang="fr-FR" sz="2400" dirty="0" err="1" smtClean="0">
-                <a:latin typeface="Calibri" panose="020F0502020204030204" pitchFamily="34" charset="0"/>
-                <a:cs typeface="Calibri" panose="020F0502020204030204" pitchFamily="34" charset="0"/>
-              </a:rPr>
-              <a:t>Calcul_table_Zambretti</a:t>
-            </a:r>
-            <a:r>
-              <a:rPr lang="fr-FR" sz="2400" dirty="0" smtClean="0">
-                <a:latin typeface="Calibri" panose="020F0502020204030204" pitchFamily="34" charset="0"/>
-                <a:cs typeface="Calibri" panose="020F0502020204030204" pitchFamily="34" charset="0"/>
-              </a:rPr>
-              <a:t>(</a:t>
-            </a:r>
-            <a:r>
-              <a:rPr lang="fr-FR" sz="2400" dirty="0" err="1" smtClean="0">
-                <a:latin typeface="Calibri" panose="020F0502020204030204" pitchFamily="34" charset="0"/>
-                <a:cs typeface="Calibri" panose="020F0502020204030204" pitchFamily="34" charset="0"/>
-              </a:rPr>
-              <a:t>numZambretti</a:t>
-            </a:r>
-            <a:r>
-              <a:rPr lang="fr-FR" sz="2400" dirty="0">
-                <a:latin typeface="Calibri" panose="020F0502020204030204" pitchFamily="34" charset="0"/>
-                <a:cs typeface="Calibri" panose="020F0502020204030204" pitchFamily="34" charset="0"/>
-              </a:rPr>
-              <a:t>)</a:t>
-            </a:r>
-          </a:p>
-        </p:txBody>
-      </p:sp>
-    </p:spTree>
-    <p:extLst>
-      <p:ext uri="{BB962C8B-B14F-4D97-AF65-F5344CB8AC3E}">
-        <p14:creationId xmlns:p14="http://schemas.microsoft.com/office/powerpoint/2010/main" val="3936848082"/>
-      </p:ext>
-    </p:extLst>
-  </p:cSld>
-  <p:clrMapOvr>
-    <a:masterClrMapping/>
-  </p:clrMapOvr>
+  <p:timing>
+    <p:tnLst>
+      <p:par>
+        <p:cTn id="1" dur="indefinite" restart="never" nodeType="tmRoot"/>
+      </p:par>
+    </p:tnLst>
+  </p:timing>
 </p:sld>
 </file>
 
@@ -13099,6 +13159,291 @@
       </p:sp>
       <p:sp>
         <p:nvSpPr>
+          <p:cNvPr id="2" name="Rectangle 1"/>
+          <p:cNvSpPr/>
+          <p:nvPr/>
+        </p:nvSpPr>
+        <p:spPr>
+          <a:xfrm>
+            <a:off x="2783599" y="1765546"/>
+            <a:ext cx="6096000" cy="2308324"/>
+          </a:xfrm>
+          <a:prstGeom prst="rect">
+            <a:avLst/>
+          </a:prstGeom>
+        </p:spPr>
+        <p:txBody>
+          <a:bodyPr>
+            <a:spAutoFit/>
+          </a:bodyPr>
+          <a:lstStyle/>
+          <a:p>
+            <a:r>
+              <a:rPr lang="fr-FR" sz="2400" dirty="0">
+                <a:latin typeface="Calibri" panose="020F0502020204030204" pitchFamily="34" charset="0"/>
+                <a:cs typeface="Calibri" panose="020F0502020204030204" pitchFamily="34" charset="0"/>
+              </a:rPr>
+              <a:t>Entrée: Mesure </a:t>
+            </a:r>
+            <a:r>
+              <a:rPr lang="fr-FR" sz="2400" dirty="0" smtClean="0">
+                <a:latin typeface="Calibri" panose="020F0502020204030204" pitchFamily="34" charset="0"/>
+                <a:cs typeface="Calibri" panose="020F0502020204030204" pitchFamily="34" charset="0"/>
+              </a:rPr>
+              <a:t>pression</a:t>
+            </a:r>
+          </a:p>
+          <a:p>
+            <a:r>
+              <a:rPr lang="fr-FR" sz="2400" dirty="0" smtClean="0">
+                <a:latin typeface="Calibri" panose="020F0502020204030204" pitchFamily="34" charset="0"/>
+                <a:cs typeface="Calibri" panose="020F0502020204030204" pitchFamily="34" charset="0"/>
+              </a:rPr>
+              <a:t>Sortie </a:t>
+            </a:r>
+            <a:r>
+              <a:rPr lang="fr-FR" sz="2400" dirty="0">
+                <a:latin typeface="Calibri" panose="020F0502020204030204" pitchFamily="34" charset="0"/>
+                <a:cs typeface="Calibri" panose="020F0502020204030204" pitchFamily="34" charset="0"/>
+              </a:rPr>
+              <a:t>: prévision </a:t>
+            </a:r>
+            <a:r>
+              <a:rPr lang="fr-FR" sz="2400" dirty="0" smtClean="0">
+                <a:latin typeface="Calibri" panose="020F0502020204030204" pitchFamily="34" charset="0"/>
+                <a:cs typeface="Calibri" panose="020F0502020204030204" pitchFamily="34" charset="0"/>
+              </a:rPr>
+              <a:t>atmosphérique</a:t>
+            </a:r>
+          </a:p>
+          <a:p>
+            <a:endParaRPr lang="fr-FR" sz="2400" dirty="0">
+              <a:latin typeface="Calibri" panose="020F0502020204030204" pitchFamily="34" charset="0"/>
+              <a:cs typeface="Calibri" panose="020F0502020204030204" pitchFamily="34" charset="0"/>
+            </a:endParaRPr>
+          </a:p>
+          <a:p>
+            <a:r>
+              <a:rPr lang="fr-FR" sz="2400" dirty="0" smtClean="0">
+                <a:latin typeface="Calibri" panose="020F0502020204030204" pitchFamily="34" charset="0"/>
+                <a:cs typeface="Calibri" panose="020F0502020204030204" pitchFamily="34" charset="0"/>
+              </a:rPr>
+              <a:t>	</a:t>
+            </a:r>
+            <a:r>
+              <a:rPr lang="fr-FR" sz="2400" dirty="0" err="1" smtClean="0">
+                <a:latin typeface="Calibri" panose="020F0502020204030204" pitchFamily="34" charset="0"/>
+                <a:cs typeface="Calibri" panose="020F0502020204030204" pitchFamily="34" charset="0"/>
+              </a:rPr>
+              <a:t>Calcul_tendances</a:t>
+            </a:r>
+            <a:r>
+              <a:rPr lang="fr-FR" sz="2400" dirty="0">
+                <a:latin typeface="Calibri" panose="020F0502020204030204" pitchFamily="34" charset="0"/>
+                <a:cs typeface="Calibri" panose="020F0502020204030204" pitchFamily="34" charset="0"/>
+              </a:rPr>
+              <a:t>()</a:t>
+            </a:r>
+          </a:p>
+          <a:p>
+            <a:r>
+              <a:rPr lang="fr-FR" sz="2400" dirty="0" smtClean="0">
+                <a:latin typeface="Calibri" panose="020F0502020204030204" pitchFamily="34" charset="0"/>
+                <a:cs typeface="Calibri" panose="020F0502020204030204" pitchFamily="34" charset="0"/>
+              </a:rPr>
+              <a:t>	</a:t>
+            </a:r>
+            <a:r>
+              <a:rPr lang="fr-FR" sz="2400" dirty="0" err="1" smtClean="0">
+                <a:latin typeface="Calibri" panose="020F0502020204030204" pitchFamily="34" charset="0"/>
+                <a:cs typeface="Calibri" panose="020F0502020204030204" pitchFamily="34" charset="0"/>
+              </a:rPr>
+              <a:t>numZambretti</a:t>
+            </a:r>
+            <a:r>
+              <a:rPr lang="fr-FR" sz="2400" dirty="0" smtClean="0">
+                <a:latin typeface="Calibri" panose="020F0502020204030204" pitchFamily="34" charset="0"/>
+                <a:cs typeface="Calibri" panose="020F0502020204030204" pitchFamily="34" charset="0"/>
+              </a:rPr>
+              <a:t>=</a:t>
+            </a:r>
+            <a:r>
+              <a:rPr lang="fr-FR" sz="2400" dirty="0" err="1" smtClean="0">
+                <a:latin typeface="Calibri" panose="020F0502020204030204" pitchFamily="34" charset="0"/>
+                <a:cs typeface="Calibri" panose="020F0502020204030204" pitchFamily="34" charset="0"/>
+              </a:rPr>
+              <a:t>Calcul_num_Zambretti</a:t>
+            </a:r>
+            <a:r>
+              <a:rPr lang="fr-FR" sz="2400" dirty="0">
+                <a:latin typeface="Calibri" panose="020F0502020204030204" pitchFamily="34" charset="0"/>
+                <a:cs typeface="Calibri" panose="020F0502020204030204" pitchFamily="34" charset="0"/>
+              </a:rPr>
+              <a:t>()</a:t>
+            </a:r>
+          </a:p>
+          <a:p>
+            <a:r>
+              <a:rPr lang="fr-FR" sz="2400" dirty="0" smtClean="0">
+                <a:latin typeface="Calibri" panose="020F0502020204030204" pitchFamily="34" charset="0"/>
+                <a:cs typeface="Calibri" panose="020F0502020204030204" pitchFamily="34" charset="0"/>
+              </a:rPr>
+              <a:t>	</a:t>
+            </a:r>
+            <a:r>
+              <a:rPr lang="fr-FR" sz="2400" dirty="0" err="1" smtClean="0">
+                <a:latin typeface="Calibri" panose="020F0502020204030204" pitchFamily="34" charset="0"/>
+                <a:cs typeface="Calibri" panose="020F0502020204030204" pitchFamily="34" charset="0"/>
+              </a:rPr>
+              <a:t>Calcul_table_Zambretti</a:t>
+            </a:r>
+            <a:r>
+              <a:rPr lang="fr-FR" sz="2400" dirty="0" smtClean="0">
+                <a:latin typeface="Calibri" panose="020F0502020204030204" pitchFamily="34" charset="0"/>
+                <a:cs typeface="Calibri" panose="020F0502020204030204" pitchFamily="34" charset="0"/>
+              </a:rPr>
+              <a:t>(</a:t>
+            </a:r>
+            <a:r>
+              <a:rPr lang="fr-FR" sz="2400" dirty="0" err="1" smtClean="0">
+                <a:latin typeface="Calibri" panose="020F0502020204030204" pitchFamily="34" charset="0"/>
+                <a:cs typeface="Calibri" panose="020F0502020204030204" pitchFamily="34" charset="0"/>
+              </a:rPr>
+              <a:t>numZambretti</a:t>
+            </a:r>
+            <a:r>
+              <a:rPr lang="fr-FR" sz="2400" dirty="0">
+                <a:latin typeface="Calibri" panose="020F0502020204030204" pitchFamily="34" charset="0"/>
+                <a:cs typeface="Calibri" panose="020F0502020204030204" pitchFamily="34" charset="0"/>
+              </a:rPr>
+              <a:t>)</a:t>
+            </a:r>
+          </a:p>
+        </p:txBody>
+      </p:sp>
+    </p:spTree>
+    <p:extLst>
+      <p:ext uri="{BB962C8B-B14F-4D97-AF65-F5344CB8AC3E}">
+        <p14:creationId xmlns:p14="http://schemas.microsoft.com/office/powerpoint/2010/main" val="3936848082"/>
+      </p:ext>
+    </p:extLst>
+  </p:cSld>
+  <p:clrMapOvr>
+    <a:masterClrMapping/>
+  </p:clrMapOvr>
+  <p:timing>
+    <p:tnLst>
+      <p:par>
+        <p:cTn id="1" dur="indefinite" restart="never" nodeType="tmRoot"/>
+      </p:par>
+    </p:tnLst>
+  </p:timing>
+</p:sld>
+</file>
+
+<file path=ppt/slides/slide13.xml><?xml version="1.0" encoding="utf-8"?>
+<p:sld xmlns:a="http://schemas.openxmlformats.org/drawingml/2006/main" xmlns:r="http://schemas.openxmlformats.org/officeDocument/2006/relationships" xmlns:p="http://schemas.openxmlformats.org/presentationml/2006/main">
+  <p:cSld>
+    <p:spTree>
+      <p:nvGrpSpPr>
+        <p:cNvPr id="1" name=""/>
+        <p:cNvGrpSpPr/>
+        <p:nvPr/>
+      </p:nvGrpSpPr>
+      <p:grpSpPr>
+        <a:xfrm>
+          <a:off x="0" y="0"/>
+          <a:ext cx="0" cy="0"/>
+          <a:chOff x="0" y="0"/>
+          <a:chExt cx="0" cy="0"/>
+        </a:xfrm>
+      </p:grpSpPr>
+      <p:pic>
+        <p:nvPicPr>
+          <p:cNvPr id="3" name="Image 2" descr="C:\Users\Alex\Documents\Recherche offres d'emploi\AUSY POEI Tlse - AJC Formation\Projet météo\logo AJC.png"/>
+          <p:cNvPicPr/>
+          <p:nvPr/>
+        </p:nvPicPr>
+        <p:blipFill>
+          <a:blip r:embed="rId2" cstate="print">
+            <a:extLst>
+              <a:ext uri="{28A0092B-C50C-407E-A947-70E740481C1C}">
+                <a14:useLocalDpi xmlns:a14="http://schemas.microsoft.com/office/drawing/2010/main" val="0"/>
+              </a:ext>
+            </a:extLst>
+          </a:blip>
+          <a:srcRect/>
+          <a:stretch>
+            <a:fillRect/>
+          </a:stretch>
+        </p:blipFill>
+        <p:spPr bwMode="auto">
+          <a:xfrm>
+            <a:off x="10199978" y="5962651"/>
+            <a:ext cx="1167679" cy="749877"/>
+          </a:xfrm>
+          <a:prstGeom prst="rect">
+            <a:avLst/>
+          </a:prstGeom>
+          <a:noFill/>
+          <a:ln>
+            <a:noFill/>
+          </a:ln>
+        </p:spPr>
+      </p:pic>
+      <p:sp>
+        <p:nvSpPr>
+          <p:cNvPr id="4" name="ZoneTexte 3"/>
+          <p:cNvSpPr txBox="1"/>
+          <p:nvPr/>
+        </p:nvSpPr>
+        <p:spPr>
+          <a:xfrm>
+            <a:off x="1506903" y="496747"/>
+            <a:ext cx="8649392" cy="461665"/>
+          </a:xfrm>
+          <a:prstGeom prst="rect">
+            <a:avLst/>
+          </a:prstGeom>
+          <a:noFill/>
+        </p:spPr>
+        <p:txBody>
+          <a:bodyPr wrap="square" rtlCol="0">
+            <a:spAutoFit/>
+          </a:bodyPr>
+          <a:lstStyle/>
+          <a:p>
+            <a:pPr algn="ctr"/>
+            <a:r>
+              <a:rPr lang="fr-FR" sz="2400" b="1" u="sng" dirty="0" smtClean="0">
+                <a:latin typeface="Calibri" panose="020F0502020204030204" pitchFamily="34" charset="0"/>
+                <a:cs typeface="Calibri" panose="020F0502020204030204" pitchFamily="34" charset="0"/>
+              </a:rPr>
+              <a:t>MOYENS TECHNIQUES MIS EN ŒUVRE</a:t>
+            </a:r>
+            <a:r>
+              <a:rPr lang="fr-FR" sz="2400" b="1" dirty="0">
+                <a:latin typeface="Calibri" panose="020F0502020204030204" pitchFamily="34" charset="0"/>
+                <a:cs typeface="Calibri" panose="020F0502020204030204" pitchFamily="34" charset="0"/>
+              </a:rPr>
+              <a:t> : Algorithme de </a:t>
+            </a:r>
+            <a:r>
+              <a:rPr lang="fr-FR" sz="2400" b="1" dirty="0" err="1">
+                <a:latin typeface="Calibri" panose="020F0502020204030204" pitchFamily="34" charset="0"/>
+                <a:cs typeface="Calibri" panose="020F0502020204030204" pitchFamily="34" charset="0"/>
+              </a:rPr>
+              <a:t>Zambretti</a:t>
+            </a:r>
+            <a:endParaRPr lang="fr-FR" sz="2400" b="1" u="sng" dirty="0">
+              <a:latin typeface="Calibri" panose="020F0502020204030204" pitchFamily="34" charset="0"/>
+              <a:cs typeface="Calibri" panose="020F0502020204030204" pitchFamily="34" charset="0"/>
+            </a:endParaRPr>
+          </a:p>
+        </p:txBody>
+      </p:sp>
+      <p:sp>
+        <p:nvSpPr>
           <p:cNvPr id="6" name="Rectangle 5"/>
           <p:cNvSpPr/>
           <p:nvPr/>
@@ -13234,6 +13579,123 @@
   <p:clrMapOvr>
     <a:masterClrMapping/>
   </p:clrMapOvr>
+  <p:timing>
+    <p:tnLst>
+      <p:par>
+        <p:cTn id="1" dur="indefinite" restart="never" nodeType="tmRoot"/>
+      </p:par>
+    </p:tnLst>
+  </p:timing>
+</p:sld>
+</file>
+
+<file path=ppt/slides/slide14.xml><?xml version="1.0" encoding="utf-8"?>
+<p:sld xmlns:a="http://schemas.openxmlformats.org/drawingml/2006/main" xmlns:r="http://schemas.openxmlformats.org/officeDocument/2006/relationships" xmlns:p="http://schemas.openxmlformats.org/presentationml/2006/main">
+  <p:cSld>
+    <p:spTree>
+      <p:nvGrpSpPr>
+        <p:cNvPr id="1" name=""/>
+        <p:cNvGrpSpPr/>
+        <p:nvPr/>
+      </p:nvGrpSpPr>
+      <p:grpSpPr>
+        <a:xfrm>
+          <a:off x="0" y="0"/>
+          <a:ext cx="0" cy="0"/>
+          <a:chOff x="0" y="0"/>
+          <a:chExt cx="0" cy="0"/>
+        </a:xfrm>
+      </p:grpSpPr>
+      <p:sp>
+        <p:nvSpPr>
+          <p:cNvPr id="4" name="ZoneTexte 3"/>
+          <p:cNvSpPr txBox="1"/>
+          <p:nvPr/>
+        </p:nvSpPr>
+        <p:spPr>
+          <a:xfrm>
+            <a:off x="1506903" y="496747"/>
+            <a:ext cx="8649392" cy="461665"/>
+          </a:xfrm>
+          <a:prstGeom prst="rect">
+            <a:avLst/>
+          </a:prstGeom>
+          <a:noFill/>
+        </p:spPr>
+        <p:txBody>
+          <a:bodyPr wrap="square" rtlCol="0">
+            <a:spAutoFit/>
+          </a:bodyPr>
+          <a:lstStyle/>
+          <a:p>
+            <a:pPr algn="ctr"/>
+            <a:r>
+              <a:rPr lang="fr-FR" sz="2400" b="1" u="sng" dirty="0" smtClean="0">
+                <a:latin typeface="Calibri" panose="020F0502020204030204" pitchFamily="34" charset="0"/>
+                <a:cs typeface="Calibri" panose="020F0502020204030204" pitchFamily="34" charset="0"/>
+              </a:rPr>
+              <a:t>MOYENS TECHNIQUES MIS EN ŒUVRE</a:t>
+            </a:r>
+            <a:r>
+              <a:rPr lang="fr-FR" sz="2400" b="1" dirty="0" smtClean="0">
+                <a:latin typeface="Calibri" panose="020F0502020204030204" pitchFamily="34" charset="0"/>
+                <a:cs typeface="Calibri" panose="020F0502020204030204" pitchFamily="34" charset="0"/>
+              </a:rPr>
+              <a:t> : Interface graphique</a:t>
+            </a:r>
+            <a:endParaRPr lang="fr-FR" sz="2400" b="1" u="sng" dirty="0" smtClean="0">
+              <a:latin typeface="Calibri" panose="020F0502020204030204" pitchFamily="34" charset="0"/>
+              <a:cs typeface="Calibri" panose="020F0502020204030204" pitchFamily="34" charset="0"/>
+            </a:endParaRPr>
+          </a:p>
+        </p:txBody>
+      </p:sp>
+      <p:pic>
+        <p:nvPicPr>
+          <p:cNvPr id="5" name="Image 4"/>
+          <p:cNvPicPr>
+            <a:picLocks noChangeAspect="1"/>
+          </p:cNvPicPr>
+          <p:nvPr/>
+        </p:nvPicPr>
+        <p:blipFill rotWithShape="1">
+          <a:blip r:embed="rId2">
+            <a:extLst>
+              <a:ext uri="{28A0092B-C50C-407E-A947-70E740481C1C}">
+                <a14:useLocalDpi xmlns:a14="http://schemas.microsoft.com/office/drawing/2010/main" val="0"/>
+              </a:ext>
+            </a:extLst>
+          </a:blip>
+          <a:srcRect t="6212"/>
+          <a:stretch/>
+        </p:blipFill>
+        <p:spPr>
+          <a:xfrm>
+            <a:off x="2242406" y="958412"/>
+            <a:ext cx="7178386" cy="5385965"/>
+          </a:xfrm>
+          <a:prstGeom prst="rect">
+            <a:avLst/>
+          </a:prstGeom>
+        </p:spPr>
+      </p:pic>
+    </p:spTree>
+    <p:extLst>
+      <p:ext uri="{BB962C8B-B14F-4D97-AF65-F5344CB8AC3E}">
+        <p14:creationId xmlns:p14="http://schemas.microsoft.com/office/powerpoint/2010/main" val="3336461434"/>
+      </p:ext>
+    </p:extLst>
+  </p:cSld>
+  <p:clrMapOvr>
+    <a:masterClrMapping/>
+  </p:clrMapOvr>
+  <p:timing>
+    <p:tnLst>
+      <p:par>
+        <p:cTn id="1" dur="indefinite" restart="never" nodeType="tmRoot"/>
+      </p:par>
+    </p:tnLst>
+  </p:timing>
 </p:sld>
 </file>
 
@@ -13277,11 +13739,11 @@
           <a:lstStyle/>
           <a:p>
             <a:r>
-              <a:rPr lang="fr-FR" sz="3600" dirty="0" smtClean="0">
+              <a:rPr lang="fr-FR" sz="3600" u="sng" dirty="0" smtClean="0">
                 <a:latin typeface="Calibri" panose="020F0502020204030204" pitchFamily="34" charset="0"/>
                 <a:cs typeface="Calibri" panose="020F0502020204030204" pitchFamily="34" charset="0"/>
               </a:rPr>
-              <a:t>SOMMAIRE</a:t>
+              <a:t>PRESENTATION DE L’EQUIPE</a:t>
             </a:r>
           </a:p>
           <a:p>
@@ -13296,7 +13758,22 @@
                 <a:latin typeface="Calibri" panose="020F0502020204030204" pitchFamily="34" charset="0"/>
                 <a:cs typeface="Calibri" panose="020F0502020204030204" pitchFamily="34" charset="0"/>
               </a:rPr>
-              <a:t>Objectif</a:t>
+              <a:t>Alexia / Maxime</a:t>
+            </a:r>
+          </a:p>
+          <a:p>
+            <a:endParaRPr lang="fr-FR" dirty="0" smtClean="0">
+              <a:latin typeface="Calibri" panose="020F0502020204030204" pitchFamily="34" charset="0"/>
+              <a:cs typeface="Calibri" panose="020F0502020204030204" pitchFamily="34" charset="0"/>
+            </a:endParaRPr>
+          </a:p>
+          <a:p>
+            <a:r>
+              <a:rPr lang="fr-FR" dirty="0" smtClean="0">
+                <a:latin typeface="Calibri" panose="020F0502020204030204" pitchFamily="34" charset="0"/>
+                <a:cs typeface="Calibri" panose="020F0502020204030204" pitchFamily="34" charset="0"/>
+              </a:rPr>
+              <a:t>Parcours personnels</a:t>
             </a:r>
           </a:p>
           <a:p>
@@ -13311,36 +13788,7 @@
                 <a:latin typeface="Calibri" panose="020F0502020204030204" pitchFamily="34" charset="0"/>
                 <a:cs typeface="Calibri" panose="020F0502020204030204" pitchFamily="34" charset="0"/>
               </a:rPr>
-              <a:t>Méthodes de travail</a:t>
-            </a:r>
-          </a:p>
-          <a:p>
-            <a:r>
-              <a:rPr lang="fr-FR" dirty="0">
-                <a:latin typeface="Calibri" panose="020F0502020204030204" pitchFamily="34" charset="0"/>
-                <a:cs typeface="Calibri" panose="020F0502020204030204" pitchFamily="34" charset="0"/>
-              </a:rPr>
-              <a:t/>
-            </a:r>
-            <a:br>
-              <a:rPr lang="fr-FR" dirty="0">
-                <a:latin typeface="Calibri" panose="020F0502020204030204" pitchFamily="34" charset="0"/>
-                <a:cs typeface="Calibri" panose="020F0502020204030204" pitchFamily="34" charset="0"/>
-              </a:rPr>
-            </a:br>
-            <a:r>
-              <a:rPr lang="fr-FR" dirty="0">
-                <a:latin typeface="Calibri" panose="020F0502020204030204" pitchFamily="34" charset="0"/>
-                <a:cs typeface="Calibri" panose="020F0502020204030204" pitchFamily="34" charset="0"/>
-              </a:rPr>
-              <a:t>Moyens mis en </a:t>
-            </a:r>
-            <a:r>
-              <a:rPr lang="fr-FR" dirty="0" smtClean="0">
-                <a:latin typeface="Calibri" panose="020F0502020204030204" pitchFamily="34" charset="0"/>
-                <a:cs typeface="Calibri" panose="020F0502020204030204" pitchFamily="34" charset="0"/>
-              </a:rPr>
-              <a:t>œuvre</a:t>
+              <a:t>Rôles dans le projet</a:t>
             </a:r>
             <a:endParaRPr lang="fr-FR" dirty="0">
               <a:latin typeface="Calibri" panose="020F0502020204030204" pitchFamily="34" charset="0"/>
@@ -13392,10 +13840,182 @@
   <p:clrMapOvr>
     <a:masterClrMapping/>
   </p:clrMapOvr>
+  <p:timing>
+    <p:tnLst>
+      <p:par>
+        <p:cTn id="1" dur="indefinite" restart="never" nodeType="tmRoot"/>
+      </p:par>
+    </p:tnLst>
+  </p:timing>
 </p:sld>
 </file>
 
 <file path=ppt/slides/slide3.xml><?xml version="1.0" encoding="utf-8"?>
+<p:sld xmlns:a="http://schemas.openxmlformats.org/drawingml/2006/main" xmlns:r="http://schemas.openxmlformats.org/officeDocument/2006/relationships" xmlns:p="http://schemas.openxmlformats.org/presentationml/2006/main">
+  <p:cSld>
+    <p:spTree>
+      <p:nvGrpSpPr>
+        <p:cNvPr id="1" name=""/>
+        <p:cNvGrpSpPr/>
+        <p:nvPr/>
+      </p:nvGrpSpPr>
+      <p:grpSpPr>
+        <a:xfrm>
+          <a:off x="0" y="0"/>
+          <a:ext cx="0" cy="0"/>
+          <a:chOff x="0" y="0"/>
+          <a:chExt cx="0" cy="0"/>
+        </a:xfrm>
+      </p:grpSpPr>
+      <p:sp>
+        <p:nvSpPr>
+          <p:cNvPr id="4" name="ZoneTexte 3"/>
+          <p:cNvSpPr txBox="1"/>
+          <p:nvPr/>
+        </p:nvSpPr>
+        <p:spPr>
+          <a:xfrm>
+            <a:off x="2003368" y="1740478"/>
+            <a:ext cx="6820592" cy="2308324"/>
+          </a:xfrm>
+          <a:prstGeom prst="rect">
+            <a:avLst/>
+          </a:prstGeom>
+          <a:noFill/>
+        </p:spPr>
+        <p:txBody>
+          <a:bodyPr wrap="square" rtlCol="0">
+            <a:spAutoFit/>
+          </a:bodyPr>
+          <a:lstStyle/>
+          <a:p>
+            <a:r>
+              <a:rPr lang="fr-FR" sz="3600" u="sng" dirty="0" smtClean="0">
+                <a:latin typeface="Calibri" panose="020F0502020204030204" pitchFamily="34" charset="0"/>
+                <a:cs typeface="Calibri" panose="020F0502020204030204" pitchFamily="34" charset="0"/>
+              </a:rPr>
+              <a:t>SOMMAIRE</a:t>
+            </a:r>
+          </a:p>
+          <a:p>
+            <a:endParaRPr lang="fr-FR" dirty="0">
+              <a:latin typeface="Calibri" panose="020F0502020204030204" pitchFamily="34" charset="0"/>
+              <a:cs typeface="Calibri" panose="020F0502020204030204" pitchFamily="34" charset="0"/>
+            </a:endParaRPr>
+          </a:p>
+          <a:p>
+            <a:r>
+              <a:rPr lang="fr-FR" dirty="0" smtClean="0">
+                <a:latin typeface="Calibri" panose="020F0502020204030204" pitchFamily="34" charset="0"/>
+                <a:cs typeface="Calibri" panose="020F0502020204030204" pitchFamily="34" charset="0"/>
+              </a:rPr>
+              <a:t>Objectif</a:t>
+            </a:r>
+          </a:p>
+          <a:p>
+            <a:endParaRPr lang="fr-FR" dirty="0">
+              <a:latin typeface="Calibri" panose="020F0502020204030204" pitchFamily="34" charset="0"/>
+              <a:cs typeface="Calibri" panose="020F0502020204030204" pitchFamily="34" charset="0"/>
+            </a:endParaRPr>
+          </a:p>
+          <a:p>
+            <a:r>
+              <a:rPr lang="fr-FR" dirty="0" smtClean="0">
+                <a:latin typeface="Calibri" panose="020F0502020204030204" pitchFamily="34" charset="0"/>
+                <a:cs typeface="Calibri" panose="020F0502020204030204" pitchFamily="34" charset="0"/>
+              </a:rPr>
+              <a:t>Méthodes de travail</a:t>
+            </a:r>
+          </a:p>
+          <a:p>
+            <a:r>
+              <a:rPr lang="fr-FR" dirty="0">
+                <a:latin typeface="Calibri" panose="020F0502020204030204" pitchFamily="34" charset="0"/>
+                <a:cs typeface="Calibri" panose="020F0502020204030204" pitchFamily="34" charset="0"/>
+              </a:rPr>
+              <a:t/>
+            </a:r>
+            <a:br>
+              <a:rPr lang="fr-FR" dirty="0">
+                <a:latin typeface="Calibri" panose="020F0502020204030204" pitchFamily="34" charset="0"/>
+                <a:cs typeface="Calibri" panose="020F0502020204030204" pitchFamily="34" charset="0"/>
+              </a:rPr>
+            </a:br>
+            <a:r>
+              <a:rPr lang="fr-FR" dirty="0">
+                <a:latin typeface="Calibri" panose="020F0502020204030204" pitchFamily="34" charset="0"/>
+                <a:cs typeface="Calibri" panose="020F0502020204030204" pitchFamily="34" charset="0"/>
+              </a:rPr>
+              <a:t>Moyens </a:t>
+            </a:r>
+            <a:r>
+              <a:rPr lang="fr-FR" dirty="0" smtClean="0">
+                <a:latin typeface="Calibri" panose="020F0502020204030204" pitchFamily="34" charset="0"/>
+                <a:cs typeface="Calibri" panose="020F0502020204030204" pitchFamily="34" charset="0"/>
+              </a:rPr>
+              <a:t>techniques</a:t>
+            </a:r>
+            <a:endParaRPr lang="fr-FR" dirty="0">
+              <a:latin typeface="Calibri" panose="020F0502020204030204" pitchFamily="34" charset="0"/>
+              <a:cs typeface="Calibri" panose="020F0502020204030204" pitchFamily="34" charset="0"/>
+            </a:endParaRPr>
+          </a:p>
+        </p:txBody>
+      </p:sp>
+      <p:pic>
+        <p:nvPicPr>
+          <p:cNvPr id="6" name="Image 5" descr="C:\Users\Alex\Documents\Recherche offres d'emploi\AUSY POEI Tlse - AJC Formation\Projet météo\logo AJC.png"/>
+          <p:cNvPicPr/>
+          <p:nvPr/>
+        </p:nvPicPr>
+        <p:blipFill>
+          <a:blip r:embed="rId2" cstate="print">
+            <a:extLst>
+              <a:ext uri="{28A0092B-C50C-407E-A947-70E740481C1C}">
+                <a14:useLocalDpi xmlns:a14="http://schemas.microsoft.com/office/drawing/2010/main" val="0"/>
+              </a:ext>
+            </a:extLst>
+          </a:blip>
+          <a:srcRect/>
+          <a:stretch>
+            <a:fillRect/>
+          </a:stretch>
+        </p:blipFill>
+        <p:spPr bwMode="auto">
+          <a:xfrm>
+            <a:off x="10199978" y="5962651"/>
+            <a:ext cx="1167679" cy="749877"/>
+          </a:xfrm>
+          <a:prstGeom prst="rect">
+            <a:avLst/>
+          </a:prstGeom>
+          <a:noFill/>
+          <a:ln>
+            <a:noFill/>
+          </a:ln>
+        </p:spPr>
+      </p:pic>
+    </p:spTree>
+    <p:extLst>
+      <p:ext uri="{BB962C8B-B14F-4D97-AF65-F5344CB8AC3E}">
+        <p14:creationId xmlns:p14="http://schemas.microsoft.com/office/powerpoint/2010/main" val="2191714617"/>
+      </p:ext>
+    </p:extLst>
+  </p:cSld>
+  <p:clrMapOvr>
+    <a:masterClrMapping/>
+  </p:clrMapOvr>
+  <p:timing>
+    <p:tnLst>
+      <p:par>
+        <p:cTn id="1" dur="indefinite" restart="never" nodeType="tmRoot"/>
+      </p:par>
+    </p:tnLst>
+  </p:timing>
+</p:sld>
+</file>
+
+<file path=ppt/slides/slide4.xml><?xml version="1.0" encoding="utf-8"?>
 <p:sld xmlns:a="http://schemas.openxmlformats.org/drawingml/2006/main" xmlns:r="http://schemas.openxmlformats.org/officeDocument/2006/relationships" xmlns:p="http://schemas.openxmlformats.org/presentationml/2006/main">
   <p:cSld>
     <p:spTree>
@@ -13488,22 +14108,28 @@
                 <a:latin typeface="Calibri" panose="020F0502020204030204" pitchFamily="34" charset="0"/>
                 <a:cs typeface="Calibri" panose="020F0502020204030204" pitchFamily="34" charset="0"/>
               </a:rPr>
-              <a:t>Station météo à base d’un Raspberry Pi et d’un BME280</a:t>
-            </a:r>
-          </a:p>
-          <a:p>
-            <a:endParaRPr lang="fr-FR" sz="2400" dirty="0">
-              <a:latin typeface="Calibri" panose="020F0502020204030204" pitchFamily="34" charset="0"/>
-              <a:cs typeface="Calibri" panose="020F0502020204030204" pitchFamily="34" charset="0"/>
-            </a:endParaRPr>
-          </a:p>
-          <a:p>
+              <a:t>Station météo </a:t>
+            </a:r>
             <a:r>
               <a:rPr lang="fr-FR" sz="2400" dirty="0" smtClean="0">
                 <a:latin typeface="Calibri" panose="020F0502020204030204" pitchFamily="34" charset="0"/>
                 <a:cs typeface="Calibri" panose="020F0502020204030204" pitchFamily="34" charset="0"/>
               </a:rPr>
-              <a:t>Données métriques (T, P, H)</a:t>
+              <a:t>avec </a:t>
+            </a:r>
+            <a:r>
+              <a:rPr lang="fr-FR" sz="2400" dirty="0" smtClean="0">
+                <a:latin typeface="Calibri" panose="020F0502020204030204" pitchFamily="34" charset="0"/>
+                <a:cs typeface="Calibri" panose="020F0502020204030204" pitchFamily="34" charset="0"/>
+              </a:rPr>
+              <a:t>données </a:t>
+            </a:r>
+            <a:r>
+              <a:rPr lang="fr-FR" sz="2400" dirty="0" smtClean="0">
+                <a:latin typeface="Calibri" panose="020F0502020204030204" pitchFamily="34" charset="0"/>
+                <a:cs typeface="Calibri" panose="020F0502020204030204" pitchFamily="34" charset="0"/>
+              </a:rPr>
+              <a:t>métriques (T, P, H)</a:t>
             </a:r>
           </a:p>
           <a:p>
@@ -13520,6 +14146,60 @@
               </a:rPr>
               <a:t>Interface graphique</a:t>
             </a:r>
+          </a:p>
+          <a:p>
+            <a:endParaRPr lang="fr-FR" sz="2400" dirty="0">
+              <a:latin typeface="Calibri" panose="020F0502020204030204" pitchFamily="34" charset="0"/>
+              <a:cs typeface="Calibri" panose="020F0502020204030204" pitchFamily="34" charset="0"/>
+            </a:endParaRPr>
+          </a:p>
+          <a:p>
+            <a:r>
+              <a:rPr lang="fr-FR" sz="2400" dirty="0" smtClean="0">
+                <a:latin typeface="Calibri" panose="020F0502020204030204" pitchFamily="34" charset="0"/>
+                <a:cs typeface="Calibri" panose="020F0502020204030204" pitchFamily="34" charset="0"/>
+              </a:rPr>
+              <a:t>Contraintes </a:t>
+            </a:r>
+            <a:r>
+              <a:rPr lang="fr-FR" sz="2400" dirty="0">
+                <a:latin typeface="Calibri" panose="020F0502020204030204" pitchFamily="34" charset="0"/>
+                <a:cs typeface="Calibri" panose="020F0502020204030204" pitchFamily="34" charset="0"/>
+              </a:rPr>
+              <a:t>matérielles (</a:t>
+            </a:r>
+            <a:r>
+              <a:rPr lang="fr-FR" sz="2400" dirty="0" err="1">
+                <a:latin typeface="Calibri" panose="020F0502020204030204" pitchFamily="34" charset="0"/>
+                <a:cs typeface="Calibri" panose="020F0502020204030204" pitchFamily="34" charset="0"/>
+              </a:rPr>
+              <a:t>Raspberry</a:t>
+            </a:r>
+            <a:r>
+              <a:rPr lang="fr-FR" sz="2400" dirty="0">
+                <a:latin typeface="Calibri" panose="020F0502020204030204" pitchFamily="34" charset="0"/>
+                <a:cs typeface="Calibri" panose="020F0502020204030204" pitchFamily="34" charset="0"/>
+              </a:rPr>
+              <a:t> Pi /</a:t>
+            </a:r>
+            <a:r>
+              <a:rPr lang="fr-FR" sz="2400" dirty="0" smtClean="0">
+                <a:latin typeface="Calibri" panose="020F0502020204030204" pitchFamily="34" charset="0"/>
+                <a:cs typeface="Calibri" panose="020F0502020204030204" pitchFamily="34" charset="0"/>
+              </a:rPr>
+              <a:t> BME280</a:t>
+            </a:r>
+            <a:r>
+              <a:rPr lang="fr-FR" sz="2400" dirty="0">
+                <a:latin typeface="Calibri" panose="020F0502020204030204" pitchFamily="34" charset="0"/>
+                <a:cs typeface="Calibri" panose="020F0502020204030204" pitchFamily="34" charset="0"/>
+              </a:rPr>
+              <a:t>)</a:t>
+            </a:r>
+            <a:endParaRPr lang="fr-FR" sz="2400" dirty="0">
+              <a:latin typeface="Calibri" panose="020F0502020204030204" pitchFamily="34" charset="0"/>
+              <a:cs typeface="Calibri" panose="020F0502020204030204" pitchFamily="34" charset="0"/>
+            </a:endParaRPr>
           </a:p>
         </p:txBody>
       </p:sp>
@@ -13533,207 +14213,13 @@
   <p:clrMapOvr>
     <a:masterClrMapping/>
   </p:clrMapOvr>
-</p:sld>
-</file>
-
-<file path=ppt/slides/slide4.xml><?xml version="1.0" encoding="utf-8"?>
-<p:sld xmlns:a="http://schemas.openxmlformats.org/drawingml/2006/main" xmlns:r="http://schemas.openxmlformats.org/officeDocument/2006/relationships" xmlns:p="http://schemas.openxmlformats.org/presentationml/2006/main">
-  <p:cSld>
-    <p:spTree>
-      <p:nvGrpSpPr>
-        <p:cNvPr id="1" name=""/>
-        <p:cNvGrpSpPr/>
-        <p:nvPr/>
-      </p:nvGrpSpPr>
-      <p:grpSpPr>
-        <a:xfrm>
-          <a:off x="0" y="0"/>
-          <a:ext cx="0" cy="0"/>
-          <a:chOff x="0" y="0"/>
-          <a:chExt cx="0" cy="0"/>
-        </a:xfrm>
-      </p:grpSpPr>
-      <p:pic>
-        <p:nvPicPr>
-          <p:cNvPr id="3" name="Image 2" descr="C:\Users\Alex\Documents\Recherche offres d'emploi\AUSY POEI Tlse - AJC Formation\Projet météo\logo AJC.png"/>
-          <p:cNvPicPr/>
-          <p:nvPr/>
-        </p:nvPicPr>
-        <p:blipFill>
-          <a:blip r:embed="rId2" cstate="print">
-            <a:extLst>
-              <a:ext uri="{28A0092B-C50C-407E-A947-70E740481C1C}">
-                <a14:useLocalDpi xmlns:a14="http://schemas.microsoft.com/office/drawing/2010/main" val="0"/>
-              </a:ext>
-            </a:extLst>
-          </a:blip>
-          <a:srcRect/>
-          <a:stretch>
-            <a:fillRect/>
-          </a:stretch>
-        </p:blipFill>
-        <p:spPr bwMode="auto">
-          <a:xfrm>
-            <a:off x="10199978" y="5962651"/>
-            <a:ext cx="1167679" cy="749877"/>
-          </a:xfrm>
-          <a:prstGeom prst="rect">
-            <a:avLst/>
-          </a:prstGeom>
-          <a:noFill/>
-          <a:ln>
-            <a:noFill/>
-          </a:ln>
-        </p:spPr>
-      </p:pic>
-      <p:sp>
-        <p:nvSpPr>
-          <p:cNvPr id="7" name="Rectangle 2"/>
-          <p:cNvSpPr>
-            <a:spLocks noChangeArrowheads="1"/>
-          </p:cNvSpPr>
-          <p:nvPr/>
-        </p:nvSpPr>
-        <p:spPr bwMode="auto">
-          <a:xfrm>
-            <a:off x="617220" y="-240030"/>
-            <a:ext cx="12192000" cy="457200"/>
-          </a:xfrm>
-          <a:prstGeom prst="rect">
-            <a:avLst/>
-          </a:prstGeom>
-          <a:noFill/>
-          <a:ln>
-            <a:noFill/>
-          </a:ln>
-          <a:effectLst/>
-          <a:extLst>
-            <a:ext uri="{909E8E84-426E-40DD-AFC4-6F175D3DCCD1}">
-              <a14:hiddenFill xmlns:a14="http://schemas.microsoft.com/office/drawing/2010/main">
-                <a:solidFill>
-                  <a:schemeClr val="accent1"/>
-                </a:solidFill>
-              </a14:hiddenFill>
-            </a:ext>
-            <a:ext uri="{91240B29-F687-4F45-9708-019B960494DF}">
-              <a14:hiddenLine xmlns:a14="http://schemas.microsoft.com/office/drawing/2010/main" w="9525">
-                <a:solidFill>
-                  <a:schemeClr val="tx1"/>
-                </a:solidFill>
-                <a:miter lim="800000"/>
-                <a:headEnd/>
-                <a:tailEnd/>
-              </a14:hiddenLine>
-            </a:ext>
-            <a:ext uri="{AF507438-7753-43E0-B8FC-AC1667EBCBE1}">
-              <a14:hiddenEffects xmlns:a14="http://schemas.microsoft.com/office/drawing/2010/main">
-                <a:effectLst>
-                  <a:outerShdw dist="35921" dir="2700000" algn="ctr" rotWithShape="0">
-                    <a:schemeClr val="bg2"/>
-                  </a:outerShdw>
-                </a:effectLst>
-              </a14:hiddenEffects>
-            </a:ext>
-          </a:extLst>
-        </p:spPr>
-        <p:txBody>
-          <a:bodyPr vert="horz" wrap="none" lIns="91440" tIns="45720" rIns="91440" bIns="45720" numCol="1" anchor="ctr" anchorCtr="0" compatLnSpc="1">
-            <a:prstTxWarp prst="textNoShape">
-              <a:avLst/>
-            </a:prstTxWarp>
-            <a:spAutoFit/>
-          </a:bodyPr>
-          <a:lstStyle/>
-          <a:p>
-            <a:endParaRPr lang="fr-FR"/>
-          </a:p>
-        </p:txBody>
-      </p:sp>
-      <p:pic>
-        <p:nvPicPr>
-          <p:cNvPr id="13" name="Image 12"/>
-          <p:cNvPicPr/>
-          <p:nvPr/>
-        </p:nvPicPr>
-        <p:blipFill rotWithShape="1">
-          <a:blip r:embed="rId3"/>
-          <a:srcRect l="1914" t="25458" r="25725" b="25607"/>
-          <a:stretch/>
-        </p:blipFill>
-        <p:spPr bwMode="auto">
-          <a:xfrm>
-            <a:off x="1760220" y="1291590"/>
-            <a:ext cx="8721090" cy="3903865"/>
-          </a:xfrm>
-          <a:prstGeom prst="rect">
-            <a:avLst/>
-          </a:prstGeom>
-          <a:ln>
-            <a:noFill/>
-          </a:ln>
-          <a:extLst>
-            <a:ext uri="{53640926-AAD7-44D8-BBD7-CCE9431645EC}">
-              <a14:shadowObscured xmlns:a14="http://schemas.microsoft.com/office/drawing/2010/main"/>
-            </a:ext>
-          </a:extLst>
-        </p:spPr>
-      </p:pic>
-      <p:sp>
-        <p:nvSpPr>
-          <p:cNvPr id="14" name="ZoneTexte 13"/>
-          <p:cNvSpPr txBox="1"/>
-          <p:nvPr/>
-        </p:nvSpPr>
-        <p:spPr>
-          <a:xfrm>
-            <a:off x="3361458" y="428108"/>
-            <a:ext cx="5518613" cy="461665"/>
-          </a:xfrm>
-          <a:prstGeom prst="rect">
-            <a:avLst/>
-          </a:prstGeom>
-          <a:noFill/>
-        </p:spPr>
-        <p:txBody>
-          <a:bodyPr wrap="square" rtlCol="0">
-            <a:spAutoFit/>
-          </a:bodyPr>
-          <a:lstStyle/>
-          <a:p>
-            <a:r>
-              <a:rPr lang="fr-FR" sz="2400" b="1" u="sng" dirty="0" smtClean="0">
-                <a:latin typeface="Calibri" panose="020F0502020204030204" pitchFamily="34" charset="0"/>
-                <a:cs typeface="Calibri" panose="020F0502020204030204" pitchFamily="34" charset="0"/>
-              </a:rPr>
-              <a:t>METHODE UTILISEE </a:t>
-            </a:r>
-            <a:r>
-              <a:rPr lang="fr-FR" sz="2400" b="1" dirty="0" smtClean="0">
-                <a:latin typeface="Calibri" panose="020F0502020204030204" pitchFamily="34" charset="0"/>
-                <a:cs typeface="Calibri" panose="020F0502020204030204" pitchFamily="34" charset="0"/>
-              </a:rPr>
-              <a:t>: </a:t>
-            </a:r>
-            <a:r>
-              <a:rPr lang="fr-FR" sz="2400" dirty="0" smtClean="0">
-                <a:latin typeface="Calibri" panose="020F0502020204030204" pitchFamily="34" charset="0"/>
-                <a:cs typeface="Calibri" panose="020F0502020204030204" pitchFamily="34" charset="0"/>
-              </a:rPr>
-              <a:t>Diagramme de Gantt</a:t>
-            </a:r>
-          </a:p>
-        </p:txBody>
-      </p:sp>
-    </p:spTree>
-    <p:extLst>
-      <p:ext uri="{BB962C8B-B14F-4D97-AF65-F5344CB8AC3E}">
-        <p14:creationId xmlns:p14="http://schemas.microsoft.com/office/powerpoint/2010/main" val="746769674"/>
-      </p:ext>
-    </p:extLst>
-  </p:cSld>
-  <p:clrMapOvr>
-    <a:masterClrMapping/>
-  </p:clrMapOvr>
+  <p:timing>
+    <p:tnLst>
+      <p:par>
+        <p:cTn id="1" dur="indefinite" restart="never" nodeType="tmRoot"/>
+      </p:par>
+    </p:tnLst>
+  </p:timing>
 </p:sld>
 </file>
 
@@ -13850,6 +14336,185 @@
           </a:p>
         </p:txBody>
       </p:sp>
+      <p:sp>
+        <p:nvSpPr>
+          <p:cNvPr id="14" name="ZoneTexte 13"/>
+          <p:cNvSpPr txBox="1"/>
+          <p:nvPr/>
+        </p:nvSpPr>
+        <p:spPr>
+          <a:xfrm>
+            <a:off x="3361458" y="428108"/>
+            <a:ext cx="5518613" cy="461665"/>
+          </a:xfrm>
+          <a:prstGeom prst="rect">
+            <a:avLst/>
+          </a:prstGeom>
+          <a:noFill/>
+        </p:spPr>
+        <p:txBody>
+          <a:bodyPr wrap="square" rtlCol="0">
+            <a:spAutoFit/>
+          </a:bodyPr>
+          <a:lstStyle/>
+          <a:p>
+            <a:r>
+              <a:rPr lang="fr-FR" sz="2400" b="1" u="sng" dirty="0" smtClean="0">
+                <a:latin typeface="Calibri" panose="020F0502020204030204" pitchFamily="34" charset="0"/>
+                <a:cs typeface="Calibri" panose="020F0502020204030204" pitchFamily="34" charset="0"/>
+              </a:rPr>
+              <a:t>METHODE UTILISEE </a:t>
+            </a:r>
+            <a:r>
+              <a:rPr lang="fr-FR" sz="2400" b="1" dirty="0" smtClean="0">
+                <a:latin typeface="Calibri" panose="020F0502020204030204" pitchFamily="34" charset="0"/>
+                <a:cs typeface="Calibri" panose="020F0502020204030204" pitchFamily="34" charset="0"/>
+              </a:rPr>
+              <a:t>: </a:t>
+            </a:r>
+            <a:r>
+              <a:rPr lang="fr-FR" sz="2400" dirty="0" smtClean="0">
+                <a:latin typeface="Calibri" panose="020F0502020204030204" pitchFamily="34" charset="0"/>
+                <a:cs typeface="Calibri" panose="020F0502020204030204" pitchFamily="34" charset="0"/>
+              </a:rPr>
+              <a:t>Diagramme de Gantt</a:t>
+            </a:r>
+          </a:p>
+        </p:txBody>
+      </p:sp>
+    </p:spTree>
+    <p:extLst>
+      <p:ext uri="{BB962C8B-B14F-4D97-AF65-F5344CB8AC3E}">
+        <p14:creationId xmlns:p14="http://schemas.microsoft.com/office/powerpoint/2010/main" val="746769674"/>
+      </p:ext>
+    </p:extLst>
+  </p:cSld>
+  <p:clrMapOvr>
+    <a:masterClrMapping/>
+  </p:clrMapOvr>
+  <p:timing>
+    <p:tnLst>
+      <p:par>
+        <p:cTn id="1" dur="indefinite" restart="never" nodeType="tmRoot"/>
+      </p:par>
+    </p:tnLst>
+  </p:timing>
+</p:sld>
+</file>
+
+<file path=ppt/slides/slide6.xml><?xml version="1.0" encoding="utf-8"?>
+<p:sld xmlns:a="http://schemas.openxmlformats.org/drawingml/2006/main" xmlns:r="http://schemas.openxmlformats.org/officeDocument/2006/relationships" xmlns:p="http://schemas.openxmlformats.org/presentationml/2006/main">
+  <p:cSld>
+    <p:spTree>
+      <p:nvGrpSpPr>
+        <p:cNvPr id="1" name=""/>
+        <p:cNvGrpSpPr/>
+        <p:nvPr/>
+      </p:nvGrpSpPr>
+      <p:grpSpPr>
+        <a:xfrm>
+          <a:off x="0" y="0"/>
+          <a:ext cx="0" cy="0"/>
+          <a:chOff x="0" y="0"/>
+          <a:chExt cx="0" cy="0"/>
+        </a:xfrm>
+      </p:grpSpPr>
+      <p:pic>
+        <p:nvPicPr>
+          <p:cNvPr id="3" name="Image 2" descr="C:\Users\Alex\Documents\Recherche offres d'emploi\AUSY POEI Tlse - AJC Formation\Projet météo\logo AJC.png"/>
+          <p:cNvPicPr/>
+          <p:nvPr/>
+        </p:nvPicPr>
+        <p:blipFill>
+          <a:blip r:embed="rId2" cstate="print">
+            <a:extLst>
+              <a:ext uri="{28A0092B-C50C-407E-A947-70E740481C1C}">
+                <a14:useLocalDpi xmlns:a14="http://schemas.microsoft.com/office/drawing/2010/main" val="0"/>
+              </a:ext>
+            </a:extLst>
+          </a:blip>
+          <a:srcRect/>
+          <a:stretch>
+            <a:fillRect/>
+          </a:stretch>
+        </p:blipFill>
+        <p:spPr bwMode="auto">
+          <a:xfrm>
+            <a:off x="10199978" y="5962651"/>
+            <a:ext cx="1167679" cy="749877"/>
+          </a:xfrm>
+          <a:prstGeom prst="rect">
+            <a:avLst/>
+          </a:prstGeom>
+          <a:noFill/>
+          <a:ln>
+            <a:noFill/>
+          </a:ln>
+        </p:spPr>
+      </p:pic>
+      <p:sp>
+        <p:nvSpPr>
+          <p:cNvPr id="7" name="Rectangle 2"/>
+          <p:cNvSpPr>
+            <a:spLocks noChangeArrowheads="1"/>
+          </p:cNvSpPr>
+          <p:nvPr/>
+        </p:nvSpPr>
+        <p:spPr bwMode="auto">
+          <a:xfrm>
+            <a:off x="617220" y="-240030"/>
+            <a:ext cx="12192000" cy="457200"/>
+          </a:xfrm>
+          <a:prstGeom prst="rect">
+            <a:avLst/>
+          </a:prstGeom>
+          <a:noFill/>
+          <a:ln>
+            <a:noFill/>
+          </a:ln>
+          <a:effectLst/>
+          <a:extLst>
+            <a:ext uri="{909E8E84-426E-40DD-AFC4-6F175D3DCCD1}">
+              <a14:hiddenFill xmlns:a14="http://schemas.microsoft.com/office/drawing/2010/main">
+                <a:solidFill>
+                  <a:schemeClr val="accent1"/>
+                </a:solidFill>
+              </a14:hiddenFill>
+            </a:ext>
+            <a:ext uri="{91240B29-F687-4F45-9708-019B960494DF}">
+              <a14:hiddenLine xmlns:a14="http://schemas.microsoft.com/office/drawing/2010/main" w="9525">
+                <a:solidFill>
+                  <a:schemeClr val="tx1"/>
+                </a:solidFill>
+                <a:miter lim="800000"/>
+                <a:headEnd/>
+                <a:tailEnd/>
+              </a14:hiddenLine>
+            </a:ext>
+            <a:ext uri="{AF507438-7753-43E0-B8FC-AC1667EBCBE1}">
+              <a14:hiddenEffects xmlns:a14="http://schemas.microsoft.com/office/drawing/2010/main">
+                <a:effectLst>
+                  <a:outerShdw dist="35921" dir="2700000" algn="ctr" rotWithShape="0">
+                    <a:schemeClr val="bg2"/>
+                  </a:outerShdw>
+                </a:effectLst>
+              </a14:hiddenEffects>
+            </a:ext>
+          </a:extLst>
+        </p:spPr>
+        <p:txBody>
+          <a:bodyPr vert="horz" wrap="none" lIns="91440" tIns="45720" rIns="91440" bIns="45720" numCol="1" anchor="ctr" anchorCtr="0" compatLnSpc="1">
+            <a:prstTxWarp prst="textNoShape">
+              <a:avLst/>
+            </a:prstTxWarp>
+            <a:spAutoFit/>
+          </a:bodyPr>
+          <a:lstStyle/>
+          <a:p>
+            <a:endParaRPr lang="fr-FR"/>
+          </a:p>
+        </p:txBody>
+      </p:sp>
       <p:pic>
         <p:nvPicPr>
           <p:cNvPr id="1025" name="Image 11"/>
@@ -13892,15 +14557,7 @@
           <a:effectLst>
             <a:reflection blurRad="12700" stA="38000" endPos="28000" dist="5000" dir="5400000" sy="-100000" algn="bl" rotWithShape="0"/>
           </a:effectLst>
-          <a:extLst>
-            <a:ext uri="{909E8E84-426E-40DD-AFC4-6F175D3DCCD1}">
-              <a14:hiddenFill xmlns:a14="http://schemas.microsoft.com/office/drawing/2010/main">
-                <a:solidFill>
-                  <a:srgbClr val="FFFFFF"/>
-                </a:solidFill>
-              </a14:hiddenFill>
-            </a:ext>
-          </a:extLst>
+          <a:extLst/>
         </p:spPr>
       </p:pic>
       <p:sp>
@@ -13970,10 +14627,17 @@
   <p:clrMapOvr>
     <a:masterClrMapping/>
   </p:clrMapOvr>
+  <p:timing>
+    <p:tnLst>
+      <p:par>
+        <p:cTn id="1" dur="indefinite" restart="never" nodeType="tmRoot"/>
+      </p:par>
+    </p:tnLst>
+  </p:timing>
 </p:sld>
 </file>
 
-<file path=ppt/slides/slide6.xml><?xml version="1.0" encoding="utf-8"?>
+<file path=ppt/slides/slide7.xml><?xml version="1.0" encoding="utf-8"?>
 <p:sld xmlns:a="http://schemas.openxmlformats.org/drawingml/2006/main" xmlns:r="http://schemas.openxmlformats.org/officeDocument/2006/relationships" xmlns:p="http://schemas.openxmlformats.org/presentationml/2006/main">
   <p:cSld>
     <p:spTree>
@@ -14018,19 +14682,8 @@
                 <a:latin typeface="Calibri" panose="020F0502020204030204" pitchFamily="34" charset="0"/>
                 <a:cs typeface="Calibri" panose="020F0502020204030204" pitchFamily="34" charset="0"/>
               </a:rPr>
-              <a:t>MOYENS TECHNIQUES MIS EN ŒUVRE</a:t>
-            </a:r>
-            <a:r>
-              <a:rPr lang="fr-FR" sz="2400" b="1" dirty="0" smtClean="0">
-                <a:latin typeface="Calibri" panose="020F0502020204030204" pitchFamily="34" charset="0"/>
-                <a:cs typeface="Calibri" panose="020F0502020204030204" pitchFamily="34" charset="0"/>
-              </a:rPr>
-              <a:t> : Interface graphique</a:t>
-            </a:r>
-            <a:endParaRPr lang="fr-FR" sz="2400" b="1" u="sng" dirty="0" smtClean="0">
-              <a:latin typeface="Calibri" panose="020F0502020204030204" pitchFamily="34" charset="0"/>
-              <a:cs typeface="Calibri" panose="020F0502020204030204" pitchFamily="34" charset="0"/>
-            </a:endParaRPr>
+              <a:t>RESULTAT DE L’INTERFACE GRAPHIQUE</a:t>
+            </a:r>
           </a:p>
         </p:txBody>
       </p:sp>
@@ -14073,10 +14726,17 @@
   <p:clrMapOvr>
     <a:masterClrMapping/>
   </p:clrMapOvr>
+  <p:timing>
+    <p:tnLst>
+      <p:par>
+        <p:cTn id="1" dur="indefinite" restart="never" nodeType="tmRoot"/>
+      </p:par>
+    </p:tnLst>
+  </p:timing>
 </p:sld>
 </file>
 
-<file path=ppt/slides/slide7.xml><?xml version="1.0" encoding="utf-8"?>
+<file path=ppt/slides/slide8.xml><?xml version="1.0" encoding="utf-8"?>
 <p:sld xmlns:a="http://schemas.openxmlformats.org/drawingml/2006/main" xmlns:r="http://schemas.openxmlformats.org/officeDocument/2006/relationships" xmlns:p="http://schemas.openxmlformats.org/presentationml/2006/main">
   <p:cSld>
     <p:spTree>
@@ -14294,10 +14954,17 @@
   <p:clrMapOvr>
     <a:masterClrMapping/>
   </p:clrMapOvr>
+  <p:timing>
+    <p:tnLst>
+      <p:par>
+        <p:cTn id="1" dur="indefinite" restart="never" nodeType="tmRoot"/>
+      </p:par>
+    </p:tnLst>
+  </p:timing>
 </p:sld>
 </file>
 
-<file path=ppt/slides/slide8.xml><?xml version="1.0" encoding="utf-8"?>
+<file path=ppt/slides/slide9.xml><?xml version="1.0" encoding="utf-8"?>
 <p:sld xmlns:a="http://schemas.openxmlformats.org/drawingml/2006/main" xmlns:r="http://schemas.openxmlformats.org/officeDocument/2006/relationships" xmlns:p="http://schemas.openxmlformats.org/presentationml/2006/main">
   <p:cSld>
     <p:spTree>
@@ -14451,207 +15118,13 @@
   <p:clrMapOvr>
     <a:masterClrMapping/>
   </p:clrMapOvr>
-</p:sld>
-</file>
-
-<file path=ppt/slides/slide9.xml><?xml version="1.0" encoding="utf-8"?>
-<p:sld xmlns:a="http://schemas.openxmlformats.org/drawingml/2006/main" xmlns:r="http://schemas.openxmlformats.org/officeDocument/2006/relationships" xmlns:p="http://schemas.openxmlformats.org/presentationml/2006/main">
-  <p:cSld>
-    <p:spTree>
-      <p:nvGrpSpPr>
-        <p:cNvPr id="1" name=""/>
-        <p:cNvGrpSpPr/>
-        <p:nvPr/>
-      </p:nvGrpSpPr>
-      <p:grpSpPr>
-        <a:xfrm>
-          <a:off x="0" y="0"/>
-          <a:ext cx="0" cy="0"/>
-          <a:chOff x="0" y="0"/>
-          <a:chExt cx="0" cy="0"/>
-        </a:xfrm>
-      </p:grpSpPr>
-      <p:pic>
-        <p:nvPicPr>
-          <p:cNvPr id="3" name="Image 2" descr="C:\Users\Alex\Documents\Recherche offres d'emploi\AUSY POEI Tlse - AJC Formation\Projet météo\logo AJC.png"/>
-          <p:cNvPicPr/>
-          <p:nvPr/>
-        </p:nvPicPr>
-        <p:blipFill>
-          <a:blip r:embed="rId2" cstate="print">
-            <a:extLst>
-              <a:ext uri="{28A0092B-C50C-407E-A947-70E740481C1C}">
-                <a14:useLocalDpi xmlns:a14="http://schemas.microsoft.com/office/drawing/2010/main" val="0"/>
-              </a:ext>
-            </a:extLst>
-          </a:blip>
-          <a:srcRect/>
-          <a:stretch>
-            <a:fillRect/>
-          </a:stretch>
-        </p:blipFill>
-        <p:spPr bwMode="auto">
-          <a:xfrm>
-            <a:off x="10199978" y="5962651"/>
-            <a:ext cx="1167679" cy="749877"/>
-          </a:xfrm>
-          <a:prstGeom prst="rect">
-            <a:avLst/>
-          </a:prstGeom>
-          <a:noFill/>
-          <a:ln>
-            <a:noFill/>
-          </a:ln>
-        </p:spPr>
-      </p:pic>
-      <p:sp>
-        <p:nvSpPr>
-          <p:cNvPr id="4" name="ZoneTexte 3"/>
-          <p:cNvSpPr txBox="1"/>
-          <p:nvPr/>
-        </p:nvSpPr>
-        <p:spPr>
-          <a:xfrm>
-            <a:off x="2204283" y="573963"/>
-            <a:ext cx="7460452" cy="461665"/>
-          </a:xfrm>
-          <a:prstGeom prst="rect">
-            <a:avLst/>
-          </a:prstGeom>
-          <a:noFill/>
-        </p:spPr>
-        <p:txBody>
-          <a:bodyPr wrap="square" rtlCol="0">
-            <a:spAutoFit/>
-          </a:bodyPr>
-          <a:lstStyle/>
-          <a:p>
-            <a:pPr algn="ctr"/>
-            <a:r>
-              <a:rPr lang="fr-FR" sz="2400" b="1" u="sng" dirty="0" smtClean="0">
-                <a:latin typeface="Calibri" panose="020F0502020204030204" pitchFamily="34" charset="0"/>
-                <a:cs typeface="Calibri" panose="020F0502020204030204" pitchFamily="34" charset="0"/>
-              </a:rPr>
-              <a:t>MOYENS TECHNIQUES MIS EN ŒUVRE</a:t>
-            </a:r>
-            <a:r>
-              <a:rPr lang="fr-FR" sz="2400" b="1" dirty="0" smtClean="0">
-                <a:latin typeface="Calibri" panose="020F0502020204030204" pitchFamily="34" charset="0"/>
-                <a:cs typeface="Calibri" panose="020F0502020204030204" pitchFamily="34" charset="0"/>
-              </a:rPr>
-              <a:t> : Capteur BME280</a:t>
-            </a:r>
-            <a:endParaRPr lang="fr-FR" sz="2400" b="1" u="sng" dirty="0" smtClean="0">
-              <a:latin typeface="Calibri" panose="020F0502020204030204" pitchFamily="34" charset="0"/>
-              <a:cs typeface="Calibri" panose="020F0502020204030204" pitchFamily="34" charset="0"/>
-            </a:endParaRPr>
-          </a:p>
-        </p:txBody>
-      </p:sp>
-      <p:sp>
-        <p:nvSpPr>
-          <p:cNvPr id="2" name="ZoneTexte 1"/>
-          <p:cNvSpPr txBox="1"/>
-          <p:nvPr/>
-        </p:nvSpPr>
-        <p:spPr>
-          <a:xfrm>
-            <a:off x="1669041" y="1569660"/>
-            <a:ext cx="8530937" cy="830997"/>
-          </a:xfrm>
-          <a:prstGeom prst="rect">
-            <a:avLst/>
-          </a:prstGeom>
-          <a:noFill/>
-        </p:spPr>
-        <p:txBody>
-          <a:bodyPr wrap="square" rtlCol="0">
-            <a:spAutoFit/>
-          </a:bodyPr>
-          <a:lstStyle/>
-          <a:p>
-            <a:pPr algn="just"/>
-            <a:r>
-              <a:rPr lang="fr-FR" sz="2400" dirty="0">
-                <a:latin typeface="Calibri" panose="020F0502020204030204" pitchFamily="34" charset="0"/>
-                <a:cs typeface="Calibri" panose="020F0502020204030204" pitchFamily="34" charset="0"/>
-              </a:rPr>
-              <a:t>Le </a:t>
-            </a:r>
-            <a:r>
-              <a:rPr lang="fr-FR" sz="2400" dirty="0" smtClean="0">
-                <a:latin typeface="Calibri" panose="020F0502020204030204" pitchFamily="34" charset="0"/>
-                <a:cs typeface="Calibri" panose="020F0502020204030204" pitchFamily="34" charset="0"/>
-              </a:rPr>
-              <a:t>capteur BME280 </a:t>
-            </a:r>
-            <a:r>
-              <a:rPr lang="fr-FR" sz="2400" dirty="0">
-                <a:latin typeface="Calibri" panose="020F0502020204030204" pitchFamily="34" charset="0"/>
-                <a:cs typeface="Calibri" panose="020F0502020204030204" pitchFamily="34" charset="0"/>
-              </a:rPr>
-              <a:t>permet de mesurer une température, une pression barométrique et le pourcentage d'humidité</a:t>
-            </a:r>
-            <a:r>
-              <a:rPr lang="fr-FR" sz="2400" dirty="0" smtClean="0">
-                <a:latin typeface="Calibri" panose="020F0502020204030204" pitchFamily="34" charset="0"/>
-                <a:cs typeface="Calibri" panose="020F0502020204030204" pitchFamily="34" charset="0"/>
-              </a:rPr>
-              <a:t>.</a:t>
-            </a:r>
-            <a:endParaRPr lang="fr-FR" sz="2400" dirty="0">
-              <a:latin typeface="Calibri" panose="020F0502020204030204" pitchFamily="34" charset="0"/>
-              <a:cs typeface="Calibri" panose="020F0502020204030204" pitchFamily="34" charset="0"/>
-            </a:endParaRPr>
-          </a:p>
-        </p:txBody>
-      </p:sp>
-      <p:pic>
-        <p:nvPicPr>
-          <p:cNvPr id="5" name="Image 4">
-            <a:extLst>
-              <a:ext uri="{FF2B5EF4-FFF2-40B4-BE49-F238E27FC236}">
-                <a16:creationId xmlns:a16="http://schemas.microsoft.com/office/drawing/2014/main" id="{00000000-0000-0000-0000-000000000000}"/>
-              </a:ext>
-            </a:extLst>
-          </p:cNvPr>
-          <p:cNvPicPr>
-            <a:picLocks noChangeAspect="1"/>
-          </p:cNvPicPr>
-          <p:nvPr/>
-        </p:nvPicPr>
-        <p:blipFill rotWithShape="1">
-          <a:blip r:embed="rId3">
-            <a:lum/>
-            <a:alphaModFix/>
-          </a:blip>
-          <a:srcRect l="22746" t="12950" r="24764" b="13375"/>
-          <a:stretch/>
-        </p:blipFill>
-        <p:spPr>
-          <a:xfrm rot="4800">
-            <a:off x="4468377" y="2639770"/>
-            <a:ext cx="2932264" cy="3135135"/>
-          </a:xfrm>
-          <a:prstGeom prst="rect">
-            <a:avLst/>
-          </a:prstGeom>
-          <a:noFill/>
-          <a:ln>
-            <a:noFill/>
-          </a:ln>
-        </p:spPr>
-      </p:pic>
-    </p:spTree>
-    <p:extLst>
-      <p:ext uri="{BB962C8B-B14F-4D97-AF65-F5344CB8AC3E}">
-        <p14:creationId xmlns:p14="http://schemas.microsoft.com/office/powerpoint/2010/main" val="797811872"/>
-      </p:ext>
-    </p:extLst>
-  </p:cSld>
-  <p:clrMapOvr>
-    <a:masterClrMapping/>
-  </p:clrMapOvr>
+  <p:timing>
+    <p:tnLst>
+      <p:par>
+        <p:cTn id="1" dur="indefinite" restart="never" nodeType="tmRoot"/>
+      </p:par>
+    </p:tnLst>
+  </p:timing>
 </p:sld>
 </file>
 
